--- a/10.모던 웹 애플리케이션 개발2/모던 웹 애플리케이션 개발2_길은섭.pptx
+++ b/10.모던 웹 애플리케이션 개발2/모던 웹 애플리케이션 개발2_길은섭.pptx
@@ -9,10 +9,12 @@
     <p:sldId id="257" r:id="rId3"/>
     <p:sldId id="258" r:id="rId4"/>
     <p:sldId id="260" r:id="rId5"/>
-    <p:sldId id="261" r:id="rId6"/>
+    <p:sldId id="264" r:id="rId6"/>
     <p:sldId id="263" r:id="rId7"/>
-    <p:sldId id="259" r:id="rId8"/>
-    <p:sldId id="262" r:id="rId9"/>
+    <p:sldId id="265" r:id="rId8"/>
+    <p:sldId id="259" r:id="rId9"/>
+    <p:sldId id="266" r:id="rId10"/>
+    <p:sldId id="267" r:id="rId11"/>
   </p:sldIdLst>
   <p:sldSz cx="12192000" cy="6858000"/>
   <p:notesSz cx="6858000" cy="9144000"/>
@@ -250,7 +252,7 @@
           <a:p>
             <a:fld id="{FE6D0106-5486-4B54-812B-B4131E8D6343}" type="datetimeFigureOut">
               <a:rPr lang="ko-KR" altLang="en-US" smtClean="0"/>
-              <a:t>2023-01-06</a:t>
+              <a:t>2023-01-10</a:t>
             </a:fld>
             <a:endParaRPr lang="ko-KR" altLang="en-US"/>
           </a:p>
@@ -420,7 +422,7 @@
           <a:p>
             <a:fld id="{FE6D0106-5486-4B54-812B-B4131E8D6343}" type="datetimeFigureOut">
               <a:rPr lang="ko-KR" altLang="en-US" smtClean="0"/>
-              <a:t>2023-01-06</a:t>
+              <a:t>2023-01-10</a:t>
             </a:fld>
             <a:endParaRPr lang="ko-KR" altLang="en-US"/>
           </a:p>
@@ -600,7 +602,7 @@
           <a:p>
             <a:fld id="{FE6D0106-5486-4B54-812B-B4131E8D6343}" type="datetimeFigureOut">
               <a:rPr lang="ko-KR" altLang="en-US" smtClean="0"/>
-              <a:t>2023-01-06</a:t>
+              <a:t>2023-01-10</a:t>
             </a:fld>
             <a:endParaRPr lang="ko-KR" altLang="en-US"/>
           </a:p>
@@ -770,7 +772,7 @@
           <a:p>
             <a:fld id="{FE6D0106-5486-4B54-812B-B4131E8D6343}" type="datetimeFigureOut">
               <a:rPr lang="ko-KR" altLang="en-US" smtClean="0"/>
-              <a:t>2023-01-06</a:t>
+              <a:t>2023-01-10</a:t>
             </a:fld>
             <a:endParaRPr lang="ko-KR" altLang="en-US"/>
           </a:p>
@@ -1016,7 +1018,7 @@
           <a:p>
             <a:fld id="{FE6D0106-5486-4B54-812B-B4131E8D6343}" type="datetimeFigureOut">
               <a:rPr lang="ko-KR" altLang="en-US" smtClean="0"/>
-              <a:t>2023-01-06</a:t>
+              <a:t>2023-01-10</a:t>
             </a:fld>
             <a:endParaRPr lang="ko-KR" altLang="en-US"/>
           </a:p>
@@ -1248,7 +1250,7 @@
           <a:p>
             <a:fld id="{FE6D0106-5486-4B54-812B-B4131E8D6343}" type="datetimeFigureOut">
               <a:rPr lang="ko-KR" altLang="en-US" smtClean="0"/>
-              <a:t>2023-01-06</a:t>
+              <a:t>2023-01-10</a:t>
             </a:fld>
             <a:endParaRPr lang="ko-KR" altLang="en-US"/>
           </a:p>
@@ -1615,7 +1617,7 @@
           <a:p>
             <a:fld id="{FE6D0106-5486-4B54-812B-B4131E8D6343}" type="datetimeFigureOut">
               <a:rPr lang="ko-KR" altLang="en-US" smtClean="0"/>
-              <a:t>2023-01-06</a:t>
+              <a:t>2023-01-10</a:t>
             </a:fld>
             <a:endParaRPr lang="ko-KR" altLang="en-US"/>
           </a:p>
@@ -1733,7 +1735,7 @@
           <a:p>
             <a:fld id="{FE6D0106-5486-4B54-812B-B4131E8D6343}" type="datetimeFigureOut">
               <a:rPr lang="ko-KR" altLang="en-US" smtClean="0"/>
-              <a:t>2023-01-06</a:t>
+              <a:t>2023-01-10</a:t>
             </a:fld>
             <a:endParaRPr lang="ko-KR" altLang="en-US"/>
           </a:p>
@@ -1828,7 +1830,7 @@
           <a:p>
             <a:fld id="{FE6D0106-5486-4B54-812B-B4131E8D6343}" type="datetimeFigureOut">
               <a:rPr lang="ko-KR" altLang="en-US" smtClean="0"/>
-              <a:t>2023-01-06</a:t>
+              <a:t>2023-01-10</a:t>
             </a:fld>
             <a:endParaRPr lang="ko-KR" altLang="en-US"/>
           </a:p>
@@ -2105,7 +2107,7 @@
           <a:p>
             <a:fld id="{FE6D0106-5486-4B54-812B-B4131E8D6343}" type="datetimeFigureOut">
               <a:rPr lang="ko-KR" altLang="en-US" smtClean="0"/>
-              <a:t>2023-01-06</a:t>
+              <a:t>2023-01-10</a:t>
             </a:fld>
             <a:endParaRPr lang="ko-KR" altLang="en-US"/>
           </a:p>
@@ -2358,7 +2360,7 @@
           <a:p>
             <a:fld id="{FE6D0106-5486-4B54-812B-B4131E8D6343}" type="datetimeFigureOut">
               <a:rPr lang="ko-KR" altLang="en-US" smtClean="0"/>
-              <a:t>2023-01-06</a:t>
+              <a:t>2023-01-10</a:t>
             </a:fld>
             <a:endParaRPr lang="ko-KR" altLang="en-US"/>
           </a:p>
@@ -2571,7 +2573,7 @@
           <a:p>
             <a:fld id="{FE6D0106-5486-4B54-812B-B4131E8D6343}" type="datetimeFigureOut">
               <a:rPr lang="ko-KR" altLang="en-US" smtClean="0"/>
-              <a:t>2023-01-06</a:t>
+              <a:t>2023-01-10</a:t>
             </a:fld>
             <a:endParaRPr lang="ko-KR" altLang="en-US"/>
           </a:p>
@@ -2990,6 +2992,9 @@
           <a:prstGeom prst="rect">
             <a:avLst/>
           </a:prstGeom>
+          <a:ln>
+            <a:noFill/>
+          </a:ln>
         </p:spPr>
         <p:style>
           <a:lnRef idx="2">
@@ -3028,7 +3033,7 @@
         </p:nvSpPr>
         <p:spPr>
           <a:xfrm>
-            <a:off x="2775856" y="1718548"/>
+            <a:off x="2775856" y="1951509"/>
             <a:ext cx="6632369" cy="743013"/>
           </a:xfrm>
         </p:spPr>
@@ -3060,7 +3065,7 @@
         </p:nvSpPr>
         <p:spPr>
           <a:xfrm>
-            <a:off x="397825" y="614144"/>
+            <a:off x="438593" y="590848"/>
             <a:ext cx="1846613" cy="363001"/>
           </a:xfrm>
           <a:prstGeom prst="rect">
@@ -3201,6 +3206,114 @@
     <p:extLst>
       <p:ext uri="{BB962C8B-B14F-4D97-AF65-F5344CB8AC3E}">
         <p14:creationId xmlns:p14="http://schemas.microsoft.com/office/powerpoint/2010/main" val="3254179312"/>
+      </p:ext>
+    </p:extLst>
+  </p:cSld>
+  <p:clrMapOvr>
+    <a:masterClrMapping/>
+  </p:clrMapOvr>
+</p:sld>
+</file>
+
+<file path=ppt/slides/slide10.xml><?xml version="1.0" encoding="utf-8"?>
+<p:sld xmlns:a="http://schemas.openxmlformats.org/drawingml/2006/main" xmlns:r="http://schemas.openxmlformats.org/officeDocument/2006/relationships" xmlns:p="http://schemas.openxmlformats.org/presentationml/2006/main">
+  <p:cSld>
+    <p:spTree>
+      <p:nvGrpSpPr>
+        <p:cNvPr id="1" name=""/>
+        <p:cNvGrpSpPr/>
+        <p:nvPr/>
+      </p:nvGrpSpPr>
+      <p:grpSpPr>
+        <a:xfrm>
+          <a:off x="0" y="0"/>
+          <a:ext cx="0" cy="0"/>
+          <a:chOff x="0" y="0"/>
+          <a:chExt cx="0" cy="0"/>
+        </a:xfrm>
+      </p:grpSpPr>
+      <p:sp>
+        <p:nvSpPr>
+          <p:cNvPr id="10" name="직사각형 9"/>
+          <p:cNvSpPr/>
+          <p:nvPr/>
+        </p:nvSpPr>
+        <p:spPr>
+          <a:xfrm>
+            <a:off x="237506" y="201881"/>
+            <a:ext cx="11709071" cy="6436425"/>
+          </a:xfrm>
+          <a:prstGeom prst="rect">
+            <a:avLst/>
+          </a:prstGeom>
+          <a:ln>
+            <a:noFill/>
+          </a:ln>
+        </p:spPr>
+        <p:style>
+          <a:lnRef idx="2">
+            <a:schemeClr val="accent1">
+              <a:shade val="50000"/>
+            </a:schemeClr>
+          </a:lnRef>
+          <a:fillRef idx="1">
+            <a:schemeClr val="accent1"/>
+          </a:fillRef>
+          <a:effectRef idx="0">
+            <a:schemeClr val="accent1"/>
+          </a:effectRef>
+          <a:fontRef idx="minor">
+            <a:schemeClr val="lt1"/>
+          </a:fontRef>
+        </p:style>
+        <p:txBody>
+          <a:bodyPr rtlCol="0" anchor="ctr"/>
+          <a:lstStyle/>
+          <a:p>
+            <a:pPr algn="ctr"/>
+            <a:endParaRPr lang="ko-KR" altLang="en-US"/>
+          </a:p>
+        </p:txBody>
+      </p:sp>
+      <p:sp>
+        <p:nvSpPr>
+          <p:cNvPr id="2" name="제목 1"/>
+          <p:cNvSpPr>
+            <a:spLocks noGrp="1"/>
+          </p:cNvSpPr>
+          <p:nvPr>
+            <p:ph type="ctrTitle"/>
+          </p:nvPr>
+        </p:nvSpPr>
+        <p:spPr>
+          <a:xfrm>
+            <a:off x="4982774" y="3143591"/>
+            <a:ext cx="2186821" cy="553003"/>
+          </a:xfrm>
+        </p:spPr>
+        <p:txBody>
+          <a:bodyPr>
+            <a:noAutofit/>
+          </a:bodyPr>
+          <a:lstStyle/>
+          <a:p>
+            <a:pPr algn="l"/>
+            <a:r>
+              <a:rPr lang="ko-KR" altLang="en-US" sz="3000" b="1" dirty="0" smtClean="0">
+                <a:latin typeface="+mn-lt"/>
+              </a:rPr>
+              <a:t>감사합니다</a:t>
+            </a:r>
+            <a:endParaRPr lang="ko-KR" altLang="en-US" sz="3000" b="1" dirty="0">
+              <a:latin typeface="+mn-lt"/>
+            </a:endParaRPr>
+          </a:p>
+        </p:txBody>
+      </p:sp>
+    </p:spTree>
+    <p:extLst>
+      <p:ext uri="{BB962C8B-B14F-4D97-AF65-F5344CB8AC3E}">
+        <p14:creationId xmlns:p14="http://schemas.microsoft.com/office/powerpoint/2010/main" val="581709565"/>
       </p:ext>
     </p:extLst>
   </p:cSld>
@@ -3229,18 +3342,21 @@
       </p:grpSpPr>
       <p:sp>
         <p:nvSpPr>
-          <p:cNvPr id="10" name="직사각형 9"/>
+          <p:cNvPr id="16" name="직사각형 15"/>
           <p:cNvSpPr/>
           <p:nvPr/>
         </p:nvSpPr>
         <p:spPr>
           <a:xfrm>
-            <a:off x="201880" y="131549"/>
+            <a:off x="237506" y="201881"/>
             <a:ext cx="11709071" cy="6436425"/>
           </a:xfrm>
           <a:prstGeom prst="rect">
             <a:avLst/>
           </a:prstGeom>
+          <a:ln>
+            <a:noFill/>
+          </a:ln>
         </p:spPr>
         <p:style>
           <a:lnRef idx="2">
@@ -3279,7 +3395,7 @@
         </p:nvSpPr>
         <p:spPr>
           <a:xfrm>
-            <a:off x="1075039" y="463140"/>
+            <a:off x="1797235" y="463140"/>
             <a:ext cx="1110021" cy="668286"/>
           </a:xfrm>
         </p:spPr>
@@ -3290,10 +3406,10 @@
           <a:lstStyle/>
           <a:p>
             <a:r>
-              <a:rPr lang="ko-KR" altLang="en-US" sz="3500" dirty="0" smtClean="0"/>
+              <a:rPr lang="ko-KR" altLang="en-US" sz="3000" b="1" dirty="0" smtClean="0"/>
               <a:t>목차</a:t>
             </a:r>
-            <a:endParaRPr lang="ko-KR" altLang="en-US" sz="3500" dirty="0"/>
+            <a:endParaRPr lang="ko-KR" altLang="en-US" sz="3000" b="1" dirty="0"/>
           </a:p>
         </p:txBody>
       </p:sp>
@@ -3307,7 +3423,7 @@
         </p:nvSpPr>
         <p:spPr>
           <a:xfrm>
-            <a:off x="1728183" y="1340015"/>
+            <a:off x="2450379" y="1340015"/>
             <a:ext cx="7855526" cy="363001"/>
           </a:xfrm>
           <a:prstGeom prst="rect">
@@ -3361,7 +3477,7 @@
         </p:nvSpPr>
         <p:spPr>
           <a:xfrm>
-            <a:off x="1728183" y="1830061"/>
+            <a:off x="2450379" y="1830061"/>
             <a:ext cx="7855526" cy="363001"/>
           </a:xfrm>
           <a:prstGeom prst="rect">
@@ -3415,7 +3531,7 @@
         </p:nvSpPr>
         <p:spPr>
           <a:xfrm>
-            <a:off x="1728183" y="3282625"/>
+            <a:off x="2450379" y="3282625"/>
             <a:ext cx="7855526" cy="363001"/>
           </a:xfrm>
           <a:prstGeom prst="rect">
@@ -3469,7 +3585,7 @@
         </p:nvSpPr>
         <p:spPr>
           <a:xfrm>
-            <a:off x="1728183" y="2314249"/>
+            <a:off x="2450379" y="2314249"/>
             <a:ext cx="7855526" cy="363001"/>
           </a:xfrm>
           <a:prstGeom prst="rect">
@@ -3502,38 +3618,38 @@
           <a:p>
             <a:pPr algn="l"/>
             <a:r>
-              <a:rPr lang="en-US" altLang="ko-KR" sz="2000" b="1" dirty="0" smtClean="0"/>
+              <a:rPr lang="en-US" altLang="ko-KR" sz="1800" dirty="0" smtClean="0"/>
               <a:t>  - book(</a:t>
             </a:r>
             <a:r>
-              <a:rPr lang="ko-KR" altLang="en-US" sz="2000" b="1" dirty="0" smtClean="0"/>
+              <a:rPr lang="ko-KR" altLang="en-US" sz="1800" dirty="0" smtClean="0"/>
               <a:t>도서</a:t>
             </a:r>
             <a:r>
-              <a:rPr lang="en-US" altLang="ko-KR" sz="2000" b="1" dirty="0" smtClean="0"/>
+              <a:rPr lang="en-US" altLang="ko-KR" sz="1800" dirty="0" smtClean="0"/>
               <a:t>) </a:t>
             </a:r>
             <a:r>
-              <a:rPr lang="ko-KR" altLang="en-US" sz="2000" b="1" dirty="0" smtClean="0"/>
+              <a:rPr lang="ko-KR" altLang="en-US" sz="1800" dirty="0" smtClean="0"/>
               <a:t>목록</a:t>
             </a:r>
             <a:r>
-              <a:rPr lang="en-US" altLang="ko-KR" sz="2000" b="1" dirty="0" smtClean="0"/>
+              <a:rPr lang="en-US" altLang="ko-KR" sz="1800" dirty="0" smtClean="0"/>
               <a:t>, </a:t>
             </a:r>
             <a:r>
-              <a:rPr lang="ko-KR" altLang="en-US" sz="2000" b="1" dirty="0" smtClean="0"/>
+              <a:rPr lang="ko-KR" altLang="en-US" sz="1800" dirty="0" smtClean="0"/>
               <a:t>등록</a:t>
             </a:r>
             <a:r>
-              <a:rPr lang="en-US" altLang="ko-KR" sz="2000" b="1" dirty="0" smtClean="0"/>
+              <a:rPr lang="en-US" altLang="ko-KR" sz="1800" dirty="0" smtClean="0"/>
               <a:t>, </a:t>
             </a:r>
             <a:r>
-              <a:rPr lang="ko-KR" altLang="en-US" sz="2000" b="1" dirty="0" smtClean="0"/>
+              <a:rPr lang="ko-KR" altLang="en-US" sz="1800" dirty="0" smtClean="0"/>
               <a:t>수정 화면 구현</a:t>
             </a:r>
-            <a:endParaRPr lang="ko-KR" altLang="en-US" sz="2000" b="1" dirty="0"/>
+            <a:endParaRPr lang="ko-KR" altLang="en-US" sz="1800" dirty="0"/>
           </a:p>
         </p:txBody>
       </p:sp>
@@ -3547,7 +3663,7 @@
         </p:nvSpPr>
         <p:spPr>
           <a:xfrm>
-            <a:off x="1728183" y="2798437"/>
+            <a:off x="2450379" y="2740197"/>
             <a:ext cx="7855526" cy="363001"/>
           </a:xfrm>
           <a:prstGeom prst="rect">
@@ -3580,38 +3696,38 @@
           <a:p>
             <a:pPr algn="l"/>
             <a:r>
-              <a:rPr lang="en-US" altLang="ko-KR" sz="2000" b="1" dirty="0" smtClean="0"/>
+              <a:rPr lang="en-US" altLang="ko-KR" sz="1800" dirty="0" smtClean="0"/>
               <a:t>  - customer(</a:t>
             </a:r>
             <a:r>
-              <a:rPr lang="ko-KR" altLang="en-US" sz="2000" b="1" dirty="0" smtClean="0"/>
+              <a:rPr lang="ko-KR" altLang="en-US" sz="1800" dirty="0" smtClean="0"/>
               <a:t>고객</a:t>
             </a:r>
             <a:r>
-              <a:rPr lang="en-US" altLang="ko-KR" sz="2000" b="1" dirty="0" smtClean="0"/>
+              <a:rPr lang="en-US" altLang="ko-KR" sz="1800" dirty="0" smtClean="0"/>
               <a:t>) </a:t>
             </a:r>
             <a:r>
-              <a:rPr lang="ko-KR" altLang="en-US" sz="2000" b="1" dirty="0" smtClean="0"/>
+              <a:rPr lang="ko-KR" altLang="en-US" sz="1800" dirty="0" smtClean="0"/>
               <a:t>목록</a:t>
             </a:r>
             <a:r>
-              <a:rPr lang="en-US" altLang="ko-KR" sz="2000" b="1" dirty="0" smtClean="0"/>
+              <a:rPr lang="en-US" altLang="ko-KR" sz="1800" dirty="0" smtClean="0"/>
               <a:t>, </a:t>
             </a:r>
             <a:r>
-              <a:rPr lang="ko-KR" altLang="en-US" sz="2000" b="1" dirty="0" smtClean="0"/>
+              <a:rPr lang="ko-KR" altLang="en-US" sz="1800" dirty="0" smtClean="0"/>
               <a:t>등록</a:t>
             </a:r>
             <a:r>
-              <a:rPr lang="en-US" altLang="ko-KR" sz="2000" b="1" dirty="0" smtClean="0"/>
+              <a:rPr lang="en-US" altLang="ko-KR" sz="1800" dirty="0" smtClean="0"/>
               <a:t>, </a:t>
             </a:r>
             <a:r>
-              <a:rPr lang="ko-KR" altLang="en-US" sz="2000" b="1" dirty="0" smtClean="0"/>
+              <a:rPr lang="ko-KR" altLang="en-US" sz="1800" dirty="0" smtClean="0"/>
               <a:t>수정 화면 구현</a:t>
             </a:r>
-            <a:endParaRPr lang="ko-KR" altLang="en-US" sz="2000" b="1" dirty="0"/>
+            <a:endParaRPr lang="ko-KR" altLang="en-US" sz="1800" dirty="0"/>
           </a:p>
         </p:txBody>
       </p:sp>
@@ -3625,7 +3741,7 @@
         </p:nvSpPr>
         <p:spPr>
           <a:xfrm>
-            <a:off x="1728183" y="3766813"/>
+            <a:off x="2450379" y="3766813"/>
             <a:ext cx="7855526" cy="363001"/>
           </a:xfrm>
           <a:prstGeom prst="rect">
@@ -3658,30 +3774,30 @@
           <a:p>
             <a:pPr algn="l"/>
             <a:r>
-              <a:rPr lang="en-US" altLang="ko-KR" sz="2000" b="1" dirty="0"/>
+              <a:rPr lang="en-US" altLang="ko-KR" sz="1800" dirty="0"/>
               <a:t> </a:t>
             </a:r>
             <a:r>
-              <a:rPr lang="en-US" altLang="ko-KR" sz="2000" b="1" dirty="0" smtClean="0"/>
+              <a:rPr lang="en-US" altLang="ko-KR" sz="1800" dirty="0" smtClean="0"/>
               <a:t> - book(</a:t>
             </a:r>
             <a:r>
-              <a:rPr lang="ko-KR" altLang="en-US" sz="2000" b="1" dirty="0" smtClean="0"/>
+              <a:rPr lang="ko-KR" altLang="en-US" sz="1800" dirty="0" smtClean="0"/>
               <a:t>도서</a:t>
             </a:r>
             <a:r>
-              <a:rPr lang="en-US" altLang="ko-KR" sz="2000" b="1" dirty="0" smtClean="0"/>
+              <a:rPr lang="en-US" altLang="ko-KR" sz="1800" dirty="0" smtClean="0"/>
               <a:t>) </a:t>
             </a:r>
             <a:r>
-              <a:rPr lang="ko-KR" altLang="en-US" sz="2000" b="1" dirty="0" smtClean="0"/>
+              <a:rPr lang="ko-KR" altLang="en-US" sz="1800" dirty="0" smtClean="0"/>
               <a:t>기본 </a:t>
             </a:r>
             <a:r>
-              <a:rPr lang="en-US" altLang="ko-KR" sz="2000" b="1" dirty="0" smtClean="0"/>
+              <a:rPr lang="en-US" altLang="ko-KR" sz="1800" dirty="0" smtClean="0"/>
               <a:t>CRUD</a:t>
             </a:r>
-            <a:endParaRPr lang="ko-KR" altLang="en-US" sz="2000" b="1" dirty="0"/>
+            <a:endParaRPr lang="ko-KR" altLang="en-US" sz="1800" dirty="0"/>
           </a:p>
         </p:txBody>
       </p:sp>
@@ -3695,7 +3811,7 @@
         </p:nvSpPr>
         <p:spPr>
           <a:xfrm>
-            <a:off x="1728183" y="4735189"/>
+            <a:off x="2450379" y="4735189"/>
             <a:ext cx="7855526" cy="363001"/>
           </a:xfrm>
           <a:prstGeom prst="rect">
@@ -3749,7 +3865,7 @@
         </p:nvSpPr>
         <p:spPr>
           <a:xfrm>
-            <a:off x="1728183" y="4251001"/>
+            <a:off x="2450379" y="4198585"/>
             <a:ext cx="7855526" cy="363001"/>
           </a:xfrm>
           <a:prstGeom prst="rect">
@@ -3782,30 +3898,30 @@
           <a:p>
             <a:pPr algn="l"/>
             <a:r>
-              <a:rPr lang="en-US" altLang="ko-KR" sz="2000" b="1" dirty="0"/>
+              <a:rPr lang="en-US" altLang="ko-KR" sz="1800" dirty="0"/>
               <a:t> </a:t>
             </a:r>
             <a:r>
-              <a:rPr lang="en-US" altLang="ko-KR" sz="2000" b="1" dirty="0" smtClean="0"/>
+              <a:rPr lang="en-US" altLang="ko-KR" sz="1800" dirty="0" smtClean="0"/>
               <a:t> - customer (</a:t>
             </a:r>
             <a:r>
-              <a:rPr lang="ko-KR" altLang="en-US" sz="2000" b="1" dirty="0" smtClean="0"/>
+              <a:rPr lang="ko-KR" altLang="en-US" sz="1800" dirty="0" smtClean="0"/>
               <a:t>고객</a:t>
             </a:r>
             <a:r>
-              <a:rPr lang="en-US" altLang="ko-KR" sz="2000" b="1" dirty="0" smtClean="0"/>
+              <a:rPr lang="en-US" altLang="ko-KR" sz="1800" dirty="0" smtClean="0"/>
               <a:t>) </a:t>
             </a:r>
             <a:r>
-              <a:rPr lang="ko-KR" altLang="en-US" sz="2000" b="1" dirty="0" smtClean="0"/>
+              <a:rPr lang="ko-KR" altLang="en-US" sz="1800" dirty="0" smtClean="0"/>
               <a:t>기본 </a:t>
             </a:r>
             <a:r>
-              <a:rPr lang="en-US" altLang="ko-KR" sz="2000" b="1" dirty="0" smtClean="0"/>
+              <a:rPr lang="en-US" altLang="ko-KR" sz="1800" dirty="0" smtClean="0"/>
               <a:t>CRUD</a:t>
             </a:r>
-            <a:endParaRPr lang="ko-KR" altLang="en-US" sz="2000" b="1" dirty="0"/>
+            <a:endParaRPr lang="ko-KR" altLang="en-US" sz="1800" dirty="0"/>
           </a:p>
         </p:txBody>
       </p:sp>
@@ -3819,7 +3935,7 @@
         </p:nvSpPr>
         <p:spPr>
           <a:xfrm>
-            <a:off x="1728183" y="5219377"/>
+            <a:off x="2450379" y="5219377"/>
             <a:ext cx="7855526" cy="363001"/>
           </a:xfrm>
           <a:prstGeom prst="rect">
@@ -3852,42 +3968,42 @@
           <a:p>
             <a:pPr algn="l"/>
             <a:r>
-              <a:rPr lang="en-US" altLang="ko-KR" sz="2000" b="1" dirty="0"/>
+              <a:rPr lang="en-US" altLang="ko-KR" sz="1800" dirty="0"/>
               <a:t> </a:t>
             </a:r>
             <a:r>
-              <a:rPr lang="en-US" altLang="ko-KR" sz="2000" b="1" dirty="0" smtClean="0"/>
+              <a:rPr lang="en-US" altLang="ko-KR" sz="1800" dirty="0" smtClean="0"/>
               <a:t> - book </a:t>
             </a:r>
             <a:r>
-              <a:rPr lang="ko-KR" altLang="en-US" sz="2000" b="1" dirty="0" smtClean="0"/>
+              <a:rPr lang="ko-KR" altLang="en-US" sz="1800" dirty="0" smtClean="0"/>
               <a:t>목록</a:t>
             </a:r>
             <a:r>
-              <a:rPr lang="en-US" altLang="ko-KR" sz="2000" b="1" dirty="0" smtClean="0"/>
+              <a:rPr lang="en-US" altLang="ko-KR" sz="1800" dirty="0" smtClean="0"/>
               <a:t>, </a:t>
             </a:r>
             <a:r>
-              <a:rPr lang="ko-KR" altLang="en-US" sz="2000" b="1" dirty="0" smtClean="0"/>
+              <a:rPr lang="ko-KR" altLang="en-US" sz="1800" dirty="0" smtClean="0"/>
               <a:t>등록</a:t>
             </a:r>
             <a:r>
-              <a:rPr lang="en-US" altLang="ko-KR" sz="2000" b="1" dirty="0" smtClean="0"/>
+              <a:rPr lang="en-US" altLang="ko-KR" sz="1800" dirty="0" smtClean="0"/>
               <a:t>, </a:t>
             </a:r>
             <a:r>
-              <a:rPr lang="ko-KR" altLang="en-US" sz="2000" b="1" dirty="0" smtClean="0"/>
+              <a:rPr lang="ko-KR" altLang="en-US" sz="1800" dirty="0" smtClean="0"/>
               <a:t>수정</a:t>
             </a:r>
             <a:r>
-              <a:rPr lang="en-US" altLang="ko-KR" sz="2000" b="1" dirty="0" smtClean="0"/>
+              <a:rPr lang="en-US" altLang="ko-KR" sz="1800" dirty="0" smtClean="0"/>
               <a:t>, </a:t>
             </a:r>
             <a:r>
-              <a:rPr lang="ko-KR" altLang="en-US" sz="2000" b="1" dirty="0" smtClean="0"/>
+              <a:rPr lang="ko-KR" altLang="en-US" sz="1800" dirty="0" smtClean="0"/>
               <a:t>삭제 기능 동작 화면 첨부</a:t>
             </a:r>
-            <a:endParaRPr lang="ko-KR" altLang="en-US" sz="2000" b="1" dirty="0"/>
+            <a:endParaRPr lang="ko-KR" altLang="en-US" sz="1800" dirty="0"/>
           </a:p>
         </p:txBody>
       </p:sp>
@@ -3901,7 +4017,7 @@
         </p:nvSpPr>
         <p:spPr>
           <a:xfrm>
-            <a:off x="1728183" y="5703565"/>
+            <a:off x="2450379" y="5645325"/>
             <a:ext cx="7855526" cy="363001"/>
           </a:xfrm>
           <a:prstGeom prst="rect">
@@ -3934,42 +4050,42 @@
           <a:p>
             <a:pPr algn="l"/>
             <a:r>
-              <a:rPr lang="en-US" altLang="ko-KR" sz="2000" b="1" dirty="0"/>
+              <a:rPr lang="en-US" altLang="ko-KR" sz="1800" dirty="0"/>
               <a:t> </a:t>
             </a:r>
             <a:r>
-              <a:rPr lang="en-US" altLang="ko-KR" sz="2000" b="1" dirty="0" smtClean="0"/>
+              <a:rPr lang="en-US" altLang="ko-KR" sz="1800" dirty="0" smtClean="0"/>
               <a:t> - customer </a:t>
             </a:r>
             <a:r>
-              <a:rPr lang="ko-KR" altLang="en-US" sz="2000" b="1" dirty="0" smtClean="0"/>
+              <a:rPr lang="ko-KR" altLang="en-US" sz="1800" dirty="0" smtClean="0"/>
               <a:t>목록</a:t>
             </a:r>
             <a:r>
-              <a:rPr lang="en-US" altLang="ko-KR" sz="2000" b="1" dirty="0" smtClean="0"/>
+              <a:rPr lang="en-US" altLang="ko-KR" sz="1800" dirty="0" smtClean="0"/>
               <a:t>, </a:t>
             </a:r>
             <a:r>
-              <a:rPr lang="ko-KR" altLang="en-US" sz="2000" b="1" dirty="0" smtClean="0"/>
+              <a:rPr lang="ko-KR" altLang="en-US" sz="1800" dirty="0" smtClean="0"/>
               <a:t>등록</a:t>
             </a:r>
             <a:r>
-              <a:rPr lang="en-US" altLang="ko-KR" sz="2000" b="1" dirty="0" smtClean="0"/>
+              <a:rPr lang="en-US" altLang="ko-KR" sz="1800" dirty="0" smtClean="0"/>
               <a:t>, </a:t>
             </a:r>
             <a:r>
-              <a:rPr lang="ko-KR" altLang="en-US" sz="2000" b="1" dirty="0" smtClean="0"/>
+              <a:rPr lang="ko-KR" altLang="en-US" sz="1800" dirty="0" smtClean="0"/>
               <a:t>수정</a:t>
             </a:r>
             <a:r>
-              <a:rPr lang="en-US" altLang="ko-KR" sz="2000" b="1" dirty="0" smtClean="0"/>
+              <a:rPr lang="en-US" altLang="ko-KR" sz="1800" dirty="0" smtClean="0"/>
               <a:t>, </a:t>
             </a:r>
             <a:r>
-              <a:rPr lang="ko-KR" altLang="en-US" sz="2000" b="1" dirty="0" smtClean="0"/>
+              <a:rPr lang="ko-KR" altLang="en-US" sz="1800" dirty="0" smtClean="0"/>
               <a:t>삭제 기능 동작 화면 첨부</a:t>
             </a:r>
-            <a:endParaRPr lang="ko-KR" altLang="en-US" sz="2000" b="1" dirty="0"/>
+            <a:endParaRPr lang="ko-KR" altLang="en-US" sz="1800" dirty="0"/>
           </a:p>
         </p:txBody>
       </p:sp>
@@ -4017,6 +4133,9 @@
           <a:prstGeom prst="rect">
             <a:avLst/>
           </a:prstGeom>
+          <a:ln>
+            <a:noFill/>
+          </a:ln>
         </p:spPr>
         <p:style>
           <a:lnRef idx="2">
@@ -4084,66 +4203,6 @@
           </a:p>
         </p:txBody>
       </p:sp>
-      <p:pic>
-        <p:nvPicPr>
-          <p:cNvPr id="12" name="그림 11"/>
-          <p:cNvPicPr>
-            <a:picLocks noChangeAspect="1"/>
-          </p:cNvPicPr>
-          <p:nvPr/>
-        </p:nvPicPr>
-        <p:blipFill>
-          <a:blip r:embed="rId2">
-            <a:extLst>
-              <a:ext uri="{28A0092B-C50C-407E-A947-70E740481C1C}">
-                <a14:useLocalDpi xmlns:a14="http://schemas.microsoft.com/office/drawing/2010/main" val="0"/>
-              </a:ext>
-            </a:extLst>
-          </a:blip>
-          <a:stretch>
-            <a:fillRect/>
-          </a:stretch>
-        </p:blipFill>
-        <p:spPr>
-          <a:xfrm>
-            <a:off x="976108" y="1845451"/>
-            <a:ext cx="2147101" cy="1531646"/>
-          </a:xfrm>
-          <a:prstGeom prst="rect">
-            <a:avLst/>
-          </a:prstGeom>
-        </p:spPr>
-      </p:pic>
-      <p:pic>
-        <p:nvPicPr>
-          <p:cNvPr id="13" name="그림 12"/>
-          <p:cNvPicPr>
-            <a:picLocks noChangeAspect="1"/>
-          </p:cNvPicPr>
-          <p:nvPr/>
-        </p:nvPicPr>
-        <p:blipFill>
-          <a:blip r:embed="rId3">
-            <a:extLst>
-              <a:ext uri="{28A0092B-C50C-407E-A947-70E740481C1C}">
-                <a14:useLocalDpi xmlns:a14="http://schemas.microsoft.com/office/drawing/2010/main" val="0"/>
-              </a:ext>
-            </a:extLst>
-          </a:blip>
-          <a:stretch>
-            <a:fillRect/>
-          </a:stretch>
-        </p:blipFill>
-        <p:spPr>
-          <a:xfrm>
-            <a:off x="976108" y="3377097"/>
-            <a:ext cx="2147101" cy="2911919"/>
-          </a:xfrm>
-          <a:prstGeom prst="rect">
-            <a:avLst/>
-          </a:prstGeom>
-        </p:spPr>
-      </p:pic>
       <p:sp>
         <p:nvSpPr>
           <p:cNvPr id="15" name="직사각형 14"/>
@@ -4153,7 +4212,7 @@
         <p:spPr>
           <a:xfrm>
             <a:off x="976108" y="1413163"/>
-            <a:ext cx="2147101" cy="432287"/>
+            <a:ext cx="1889400" cy="432287"/>
           </a:xfrm>
           <a:prstGeom prst="rect">
             <a:avLst/>
@@ -4200,8 +4259,8 @@
         </p:nvSpPr>
         <p:spPr>
           <a:xfrm>
-            <a:off x="1147132" y="1487469"/>
-            <a:ext cx="1852552" cy="363001"/>
+            <a:off x="1217812" y="1466299"/>
+            <a:ext cx="1405991" cy="324616"/>
           </a:xfrm>
           <a:prstGeom prst="rect">
             <a:avLst/>
@@ -4231,12 +4290,11 @@
             </a:lvl1pPr>
           </a:lstStyle>
           <a:p>
-            <a:pPr algn="l"/>
-            <a:r>
-              <a:rPr lang="ko-KR" altLang="en-US" sz="2000" b="1" dirty="0" smtClean="0"/>
+            <a:r>
+              <a:rPr lang="ko-KR" altLang="en-US" sz="1500" b="1" dirty="0" smtClean="0"/>
               <a:t>프로젝트 구성</a:t>
             </a:r>
-            <a:endParaRPr lang="ko-KR" altLang="en-US" sz="2000" b="1" dirty="0"/>
+            <a:endParaRPr lang="ko-KR" altLang="en-US" sz="1500" b="1" dirty="0"/>
           </a:p>
         </p:txBody>
       </p:sp>
@@ -4333,7 +4391,7 @@
               <a:t>- </a:t>
             </a:r>
             <a:r>
-              <a:rPr lang="en-US" altLang="ko-KR" sz="2000" dirty="0" err="1" smtClean="0"/>
+              <a:rPr lang="en-US" altLang="ko-KR" sz="2000" b="1" dirty="0" err="1" smtClean="0"/>
               <a:t>ProjectName</a:t>
             </a:r>
             <a:r>
@@ -4392,7 +4450,15 @@
             <a:pPr algn="l"/>
             <a:r>
               <a:rPr lang="en-US" altLang="ko-KR" sz="2000" dirty="0" smtClean="0"/>
-              <a:t>- WAS : Tomcat 9</a:t>
+              <a:t>- </a:t>
+            </a:r>
+            <a:r>
+              <a:rPr lang="en-US" altLang="ko-KR" sz="2000" b="1" dirty="0" smtClean="0"/>
+              <a:t>WAS</a:t>
+            </a:r>
+            <a:r>
+              <a:rPr lang="en-US" altLang="ko-KR" sz="2000" dirty="0" smtClean="0"/>
+              <a:t> : Tomcat 9</a:t>
             </a:r>
             <a:endParaRPr lang="ko-KR" altLang="en-US" sz="2000" dirty="0"/>
           </a:p>
@@ -4442,7 +4508,15 @@
             <a:pPr algn="l"/>
             <a:r>
               <a:rPr lang="en-US" altLang="ko-KR" sz="2000" dirty="0" smtClean="0"/>
-              <a:t>- DB : java1_bookstore</a:t>
+              <a:t>- </a:t>
+            </a:r>
+            <a:r>
+              <a:rPr lang="en-US" altLang="ko-KR" sz="2000" b="1" dirty="0" smtClean="0"/>
+              <a:t>DB</a:t>
+            </a:r>
+            <a:r>
+              <a:rPr lang="en-US" altLang="ko-KR" sz="2000" dirty="0" smtClean="0"/>
+              <a:t> : java1_bookstore</a:t>
             </a:r>
             <a:endParaRPr lang="ko-KR" altLang="en-US" sz="2000" dirty="0"/>
           </a:p>
@@ -4492,7 +4566,15 @@
             <a:pPr algn="l"/>
             <a:r>
               <a:rPr lang="en-US" altLang="ko-KR" sz="2000" dirty="0" smtClean="0"/>
-              <a:t>- Framework : Spring, </a:t>
+              <a:t>- </a:t>
+            </a:r>
+            <a:r>
+              <a:rPr lang="en-US" altLang="ko-KR" sz="2000" b="1" dirty="0" smtClean="0"/>
+              <a:t>Framework</a:t>
+            </a:r>
+            <a:r>
+              <a:rPr lang="en-US" altLang="ko-KR" sz="2000" dirty="0" smtClean="0"/>
+              <a:t> : Spring, </a:t>
             </a:r>
             <a:r>
               <a:rPr lang="en-US" altLang="ko-KR" sz="2000" dirty="0" err="1" smtClean="0"/>
@@ -4546,7 +4628,15 @@
             <a:pPr algn="l"/>
             <a:r>
               <a:rPr lang="en-US" altLang="ko-KR" sz="2000" dirty="0" smtClean="0"/>
-              <a:t>- Tools : Eclipse, Workbench</a:t>
+              <a:t>- </a:t>
+            </a:r>
+            <a:r>
+              <a:rPr lang="en-US" altLang="ko-KR" sz="2000" b="1" dirty="0" smtClean="0"/>
+              <a:t>Tools</a:t>
+            </a:r>
+            <a:r>
+              <a:rPr lang="en-US" altLang="ko-KR" sz="2000" dirty="0" smtClean="0"/>
+              <a:t> : Eclipse, Workbench</a:t>
             </a:r>
             <a:endParaRPr lang="ko-KR" altLang="en-US" sz="2000" dirty="0"/>
           </a:p>
@@ -4602,6 +4692,36 @@
           </a:p>
         </p:txBody>
       </p:sp>
+      <p:pic>
+        <p:nvPicPr>
+          <p:cNvPr id="6" name="그림 5"/>
+          <p:cNvPicPr>
+            <a:picLocks noChangeAspect="1"/>
+          </p:cNvPicPr>
+          <p:nvPr/>
+        </p:nvPicPr>
+        <p:blipFill>
+          <a:blip r:embed="rId2">
+            <a:extLst>
+              <a:ext uri="{28A0092B-C50C-407E-A947-70E740481C1C}">
+                <a14:useLocalDpi xmlns:a14="http://schemas.microsoft.com/office/drawing/2010/main" val="0"/>
+              </a:ext>
+            </a:extLst>
+          </a:blip>
+          <a:stretch>
+            <a:fillRect/>
+          </a:stretch>
+        </p:blipFill>
+        <p:spPr>
+          <a:xfrm>
+            <a:off x="976108" y="1845450"/>
+            <a:ext cx="1889400" cy="4345618"/>
+          </a:xfrm>
+          <a:prstGeom prst="rect">
+            <a:avLst/>
+          </a:prstGeom>
+        </p:spPr>
+      </p:pic>
     </p:spTree>
     <p:extLst>
       <p:ext uri="{BB962C8B-B14F-4D97-AF65-F5344CB8AC3E}">
@@ -4646,6 +4766,9 @@
           <a:prstGeom prst="rect">
             <a:avLst/>
           </a:prstGeom>
+          <a:ln>
+            <a:noFill/>
+          </a:ln>
         </p:spPr>
         <p:style>
           <a:lnRef idx="2">
@@ -4705,19 +4828,13 @@
               <a:rPr lang="ko-KR" altLang="en-US" sz="3000" b="1" dirty="0" smtClean="0">
                 <a:latin typeface="+mn-lt"/>
               </a:rPr>
-              <a:t>화면 구현</a:t>
+              <a:t>화면 구현 </a:t>
             </a:r>
             <a:r>
               <a:rPr lang="en-US" altLang="ko-KR" sz="3000" b="1" dirty="0" smtClean="0">
                 <a:latin typeface="+mn-lt"/>
               </a:rPr>
-              <a:t>- </a:t>
-            </a:r>
-            <a:r>
-              <a:rPr lang="en-US" altLang="ko-KR" sz="3000" b="1" dirty="0" smtClean="0">
-                <a:latin typeface="+mn-lt"/>
-              </a:rPr>
-              <a:t>Book(</a:t>
+              <a:t>- Book(</a:t>
             </a:r>
             <a:r>
               <a:rPr lang="ko-KR" altLang="en-US" sz="3000" b="1" dirty="0" smtClean="0">
@@ -4739,14 +4856,14 @@
       </p:sp>
       <p:sp>
         <p:nvSpPr>
-          <p:cNvPr id="15" name="직사각형 14"/>
+          <p:cNvPr id="19" name="직사각형 18"/>
           <p:cNvSpPr/>
           <p:nvPr/>
         </p:nvSpPr>
         <p:spPr>
           <a:xfrm>
-            <a:off x="976106" y="1413163"/>
-            <a:ext cx="3369243" cy="432287"/>
+            <a:off x="2585219" y="1408968"/>
+            <a:ext cx="1889400" cy="432287"/>
           </a:xfrm>
           <a:prstGeom prst="rect">
             <a:avLst/>
@@ -4785,7 +4902,7 @@
       </p:sp>
       <p:sp>
         <p:nvSpPr>
-          <p:cNvPr id="16" name="제목 1"/>
+          <p:cNvPr id="20" name="제목 1"/>
           <p:cNvSpPr txBox="1">
             <a:spLocks/>
           </p:cNvSpPr>
@@ -4793,8 +4910,8 @@
         </p:nvSpPr>
         <p:spPr>
           <a:xfrm>
-            <a:off x="976105" y="1413163"/>
-            <a:ext cx="3369244" cy="432287"/>
+            <a:off x="2826923" y="1462104"/>
+            <a:ext cx="1405991" cy="324616"/>
           </a:xfrm>
           <a:prstGeom prst="rect">
             <a:avLst/>
@@ -4825,53 +4942,23 @@
           </a:lstStyle>
           <a:p>
             <a:r>
-              <a:rPr lang="ko-KR" altLang="en-US" sz="2000" b="1" dirty="0" smtClean="0"/>
-              <a:t>도서목록</a:t>
-            </a:r>
-            <a:endParaRPr lang="ko-KR" altLang="en-US" sz="2000" b="1" dirty="0"/>
-          </a:p>
-        </p:txBody>
-      </p:sp>
-      <p:pic>
-        <p:nvPicPr>
-          <p:cNvPr id="3" name="그림 2"/>
-          <p:cNvPicPr>
-            <a:picLocks noChangeAspect="1"/>
-          </p:cNvPicPr>
-          <p:nvPr/>
-        </p:nvPicPr>
-        <p:blipFill>
-          <a:blip r:embed="rId2">
-            <a:extLst>
-              <a:ext uri="{28A0092B-C50C-407E-A947-70E740481C1C}">
-                <a14:useLocalDpi xmlns:a14="http://schemas.microsoft.com/office/drawing/2010/main" val="0"/>
-              </a:ext>
-            </a:extLst>
-          </a:blip>
-          <a:stretch>
-            <a:fillRect/>
-          </a:stretch>
-        </p:blipFill>
-        <p:spPr>
-          <a:xfrm>
-            <a:off x="984406" y="1844288"/>
-            <a:ext cx="3360944" cy="1598393"/>
-          </a:xfrm>
-          <a:prstGeom prst="rect">
-            <a:avLst/>
-          </a:prstGeom>
-        </p:spPr>
-      </p:pic>
-      <p:sp>
-        <p:nvSpPr>
-          <p:cNvPr id="18" name="직사각형 17"/>
+              <a:rPr lang="en-US" altLang="ko-KR" sz="1500" b="1" dirty="0" smtClean="0"/>
+              <a:t>Index</a:t>
+            </a:r>
+            <a:endParaRPr lang="ko-KR" altLang="en-US" sz="1500" b="1" dirty="0"/>
+          </a:p>
+        </p:txBody>
+      </p:sp>
+      <p:sp>
+        <p:nvSpPr>
+          <p:cNvPr id="21" name="직사각형 20"/>
           <p:cNvSpPr/>
           <p:nvPr/>
         </p:nvSpPr>
         <p:spPr>
           <a:xfrm>
-            <a:off x="5083375" y="1413163"/>
-            <a:ext cx="2558195" cy="432287"/>
+            <a:off x="6709541" y="3824354"/>
+            <a:ext cx="1889400" cy="432287"/>
           </a:xfrm>
           <a:prstGeom prst="rect">
             <a:avLst/>
@@ -4910,7 +4997,7 @@
       </p:sp>
       <p:sp>
         <p:nvSpPr>
-          <p:cNvPr id="23" name="제목 1"/>
+          <p:cNvPr id="22" name="제목 1"/>
           <p:cNvSpPr txBox="1">
             <a:spLocks/>
           </p:cNvSpPr>
@@ -4918,8 +5005,8 @@
         </p:nvSpPr>
         <p:spPr>
           <a:xfrm>
-            <a:off x="5083374" y="1413163"/>
-            <a:ext cx="2558196" cy="432287"/>
+            <a:off x="6951245" y="3877490"/>
+            <a:ext cx="1405991" cy="324616"/>
           </a:xfrm>
           <a:prstGeom prst="rect">
             <a:avLst/>
@@ -4950,16 +5037,46 @@
           </a:lstStyle>
           <a:p>
             <a:r>
-              <a:rPr lang="ko-KR" altLang="en-US" sz="2000" b="1" dirty="0" err="1" smtClean="0"/>
-              <a:t>도서등록</a:t>
-            </a:r>
-            <a:endParaRPr lang="ko-KR" altLang="en-US" sz="2000" b="1" dirty="0"/>
+              <a:rPr lang="ko-KR" altLang="en-US" sz="1500" b="1" dirty="0" err="1" smtClean="0"/>
+              <a:t>도서수정</a:t>
+            </a:r>
+            <a:endParaRPr lang="ko-KR" altLang="en-US" sz="1500" b="1" dirty="0"/>
           </a:p>
         </p:txBody>
       </p:sp>
       <p:pic>
         <p:nvPicPr>
-          <p:cNvPr id="8" name="그림 7"/>
+          <p:cNvPr id="11" name="그림 10"/>
+          <p:cNvPicPr>
+            <a:picLocks noChangeAspect="1"/>
+          </p:cNvPicPr>
+          <p:nvPr/>
+        </p:nvPicPr>
+        <p:blipFill>
+          <a:blip r:embed="rId2">
+            <a:extLst>
+              <a:ext uri="{28A0092B-C50C-407E-A947-70E740481C1C}">
+                <a14:useLocalDpi xmlns:a14="http://schemas.microsoft.com/office/drawing/2010/main" val="0"/>
+              </a:ext>
+            </a:extLst>
+          </a:blip>
+          <a:stretch>
+            <a:fillRect/>
+          </a:stretch>
+        </p:blipFill>
+        <p:spPr>
+          <a:xfrm>
+            <a:off x="2585219" y="4256641"/>
+            <a:ext cx="1889400" cy="1563886"/>
+          </a:xfrm>
+          <a:prstGeom prst="rect">
+            <a:avLst/>
+          </a:prstGeom>
+        </p:spPr>
+      </p:pic>
+      <p:pic>
+        <p:nvPicPr>
+          <p:cNvPr id="12" name="그림 11"/>
           <p:cNvPicPr>
             <a:picLocks noChangeAspect="1"/>
           </p:cNvPicPr>
@@ -4979,24 +5096,84 @@
         </p:blipFill>
         <p:spPr>
           <a:xfrm>
-            <a:off x="8385043" y="1845450"/>
-            <a:ext cx="2813566" cy="293306"/>
+            <a:off x="6413810" y="1841255"/>
+            <a:ext cx="2433303" cy="1167062"/>
           </a:xfrm>
           <a:prstGeom prst="rect">
             <a:avLst/>
           </a:prstGeom>
         </p:spPr>
       </p:pic>
-      <p:sp>
-        <p:nvSpPr>
-          <p:cNvPr id="27" name="직사각형 26"/>
+      <p:pic>
+        <p:nvPicPr>
+          <p:cNvPr id="13" name="그림 12"/>
+          <p:cNvPicPr>
+            <a:picLocks noChangeAspect="1"/>
+          </p:cNvPicPr>
+          <p:nvPr/>
+        </p:nvPicPr>
+        <p:blipFill>
+          <a:blip r:embed="rId4">
+            <a:extLst>
+              <a:ext uri="{28A0092B-C50C-407E-A947-70E740481C1C}">
+                <a14:useLocalDpi xmlns:a14="http://schemas.microsoft.com/office/drawing/2010/main" val="0"/>
+              </a:ext>
+            </a:extLst>
+          </a:blip>
+          <a:stretch>
+            <a:fillRect/>
+          </a:stretch>
+        </p:blipFill>
+        <p:spPr>
+          <a:xfrm>
+            <a:off x="6709541" y="4255243"/>
+            <a:ext cx="1889400" cy="1541352"/>
+          </a:xfrm>
+          <a:prstGeom prst="rect">
+            <a:avLst/>
+          </a:prstGeom>
+        </p:spPr>
+      </p:pic>
+      <p:pic>
+        <p:nvPicPr>
+          <p:cNvPr id="24" name="그림 23"/>
+          <p:cNvPicPr>
+            <a:picLocks noChangeAspect="1"/>
+          </p:cNvPicPr>
+          <p:nvPr/>
+        </p:nvPicPr>
+        <p:blipFill>
+          <a:blip r:embed="rId5">
+            <a:extLst>
+              <a:ext uri="{28A0092B-C50C-407E-A947-70E740481C1C}">
+                <a14:useLocalDpi xmlns:a14="http://schemas.microsoft.com/office/drawing/2010/main" val="0"/>
+              </a:ext>
+            </a:extLst>
+          </a:blip>
+          <a:stretch>
+            <a:fillRect/>
+          </a:stretch>
+        </p:blipFill>
+        <p:spPr>
+          <a:xfrm>
+            <a:off x="2585219" y="1839857"/>
+            <a:ext cx="1876369" cy="1044394"/>
+          </a:xfrm>
+          <a:prstGeom prst="rect">
+            <a:avLst/>
+          </a:prstGeom>
+        </p:spPr>
+      </p:pic>
+      <p:sp>
+        <p:nvSpPr>
+          <p:cNvPr id="29" name="직사각형 28"/>
           <p:cNvSpPr/>
           <p:nvPr/>
         </p:nvSpPr>
         <p:spPr>
           <a:xfrm>
-            <a:off x="8385043" y="1413163"/>
-            <a:ext cx="2813566" cy="432287"/>
+            <a:off x="2585219" y="3825752"/>
+            <a:ext cx="1889400" cy="432287"/>
           </a:xfrm>
           <a:prstGeom prst="rect">
             <a:avLst/>
@@ -5035,7 +5212,7 @@
       </p:sp>
       <p:sp>
         <p:nvSpPr>
-          <p:cNvPr id="28" name="제목 1"/>
+          <p:cNvPr id="30" name="제목 1"/>
           <p:cNvSpPr txBox="1">
             <a:spLocks/>
           </p:cNvSpPr>
@@ -5043,8 +5220,8 @@
         </p:nvSpPr>
         <p:spPr>
           <a:xfrm>
-            <a:off x="8385041" y="1413163"/>
-            <a:ext cx="2813567" cy="432287"/>
+            <a:off x="2826923" y="3878888"/>
+            <a:ext cx="1405991" cy="324616"/>
           </a:xfrm>
           <a:prstGeom prst="rect">
             <a:avLst/>
@@ -5075,73 +5252,116 @@
           </a:lstStyle>
           <a:p>
             <a:r>
-              <a:rPr lang="ko-KR" altLang="en-US" sz="2000" b="1" dirty="0" err="1" smtClean="0"/>
-              <a:t>도서수정</a:t>
-            </a:r>
-            <a:endParaRPr lang="ko-KR" altLang="en-US" sz="2000" b="1" dirty="0"/>
-          </a:p>
-        </p:txBody>
-      </p:sp>
-      <p:pic>
-        <p:nvPicPr>
-          <p:cNvPr id="5" name="그림 4"/>
-          <p:cNvPicPr>
-            <a:picLocks noChangeAspect="1"/>
-          </p:cNvPicPr>
-          <p:nvPr/>
-        </p:nvPicPr>
-        <p:blipFill>
-          <a:blip r:embed="rId4">
-            <a:extLst>
-              <a:ext uri="{28A0092B-C50C-407E-A947-70E740481C1C}">
-                <a14:useLocalDpi xmlns:a14="http://schemas.microsoft.com/office/drawing/2010/main" val="0"/>
-              </a:ext>
-            </a:extLst>
-          </a:blip>
-          <a:stretch>
-            <a:fillRect/>
-          </a:stretch>
-        </p:blipFill>
-        <p:spPr>
-          <a:xfrm>
-            <a:off x="5088625" y="1845450"/>
-            <a:ext cx="2552946" cy="2120908"/>
-          </a:xfrm>
-          <a:prstGeom prst="rect">
-            <a:avLst/>
-          </a:prstGeom>
-        </p:spPr>
-      </p:pic>
-      <p:pic>
-        <p:nvPicPr>
-          <p:cNvPr id="7" name="그림 6"/>
-          <p:cNvPicPr>
-            <a:picLocks noChangeAspect="1"/>
-          </p:cNvPicPr>
-          <p:nvPr/>
-        </p:nvPicPr>
-        <p:blipFill>
-          <a:blip r:embed="rId5">
-            <a:extLst>
-              <a:ext uri="{28A0092B-C50C-407E-A947-70E740481C1C}">
-                <a14:useLocalDpi xmlns:a14="http://schemas.microsoft.com/office/drawing/2010/main" val="0"/>
-              </a:ext>
-            </a:extLst>
-          </a:blip>
-          <a:stretch>
-            <a:fillRect/>
-          </a:stretch>
-        </p:blipFill>
-        <p:spPr>
-          <a:xfrm>
-            <a:off x="8385041" y="2105640"/>
-            <a:ext cx="2813569" cy="1623212"/>
-          </a:xfrm>
-          <a:prstGeom prst="rect">
-            <a:avLst/>
-          </a:prstGeom>
-        </p:spPr>
-      </p:pic>
+              <a:rPr lang="ko-KR" altLang="en-US" sz="1500" b="1" dirty="0" err="1" smtClean="0"/>
+              <a:t>도서등록</a:t>
+            </a:r>
+            <a:endParaRPr lang="ko-KR" altLang="en-US" sz="1500" b="1" dirty="0"/>
+          </a:p>
+        </p:txBody>
+      </p:sp>
+      <p:sp>
+        <p:nvSpPr>
+          <p:cNvPr id="31" name="직사각형 30"/>
+          <p:cNvSpPr/>
+          <p:nvPr/>
+        </p:nvSpPr>
+        <p:spPr>
+          <a:xfrm>
+            <a:off x="6400779" y="1408968"/>
+            <a:ext cx="2448292" cy="432287"/>
+          </a:xfrm>
+          <a:prstGeom prst="rect">
+            <a:avLst/>
+          </a:prstGeom>
+          <a:solidFill>
+            <a:schemeClr val="accent1">
+              <a:lumMod val="60000"/>
+              <a:lumOff val="40000"/>
+            </a:schemeClr>
+          </a:solidFill>
+        </p:spPr>
+        <p:style>
+          <a:lnRef idx="2">
+            <a:schemeClr val="accent1">
+              <a:shade val="50000"/>
+            </a:schemeClr>
+          </a:lnRef>
+          <a:fillRef idx="1">
+            <a:schemeClr val="accent1"/>
+          </a:fillRef>
+          <a:effectRef idx="0">
+            <a:schemeClr val="accent1"/>
+          </a:effectRef>
+          <a:fontRef idx="minor">
+            <a:schemeClr val="lt1"/>
+          </a:fontRef>
+        </p:style>
+        <p:txBody>
+          <a:bodyPr rtlCol="0" anchor="ctr"/>
+          <a:lstStyle/>
+          <a:p>
+            <a:pPr algn="ctr"/>
+            <a:endParaRPr lang="ko-KR" altLang="en-US"/>
+          </a:p>
+        </p:txBody>
+      </p:sp>
+      <p:sp>
+        <p:nvSpPr>
+          <p:cNvPr id="32" name="제목 1"/>
+          <p:cNvSpPr txBox="1">
+            <a:spLocks/>
+          </p:cNvSpPr>
+          <p:nvPr/>
+        </p:nvSpPr>
+        <p:spPr>
+          <a:xfrm>
+            <a:off x="6720382" y="1462804"/>
+            <a:ext cx="1821889" cy="324616"/>
+          </a:xfrm>
+          <a:prstGeom prst="rect">
+            <a:avLst/>
+          </a:prstGeom>
+        </p:spPr>
+        <p:txBody>
+          <a:bodyPr vert="horz" lIns="91440" tIns="45720" rIns="91440" bIns="45720" rtlCol="0" anchor="b">
+            <a:noAutofit/>
+          </a:bodyPr>
+          <a:lstStyle>
+            <a:lvl1pPr algn="ctr" defTabSz="914400" rtl="0" eaLnBrk="1" latinLnBrk="1" hangingPunct="1">
+              <a:lnSpc>
+                <a:spcPct val="90000"/>
+              </a:lnSpc>
+              <a:spcBef>
+                <a:spcPct val="0"/>
+              </a:spcBef>
+              <a:buNone/>
+              <a:defRPr sz="6000" kern="1200">
+                <a:solidFill>
+                  <a:schemeClr val="tx1"/>
+                </a:solidFill>
+                <a:latin typeface="+mj-lt"/>
+                <a:ea typeface="+mj-ea"/>
+                <a:cs typeface="+mj-cs"/>
+              </a:defRPr>
+            </a:lvl1pPr>
+          </a:lstStyle>
+          <a:p>
+            <a:r>
+              <a:rPr lang="ko-KR" altLang="en-US" sz="1500" b="1" dirty="0" smtClean="0"/>
+              <a:t>도서</a:t>
+            </a:r>
+            <a:r>
+              <a:rPr lang="ko-KR" altLang="en-US" sz="1500" b="1" dirty="0"/>
+              <a:t>목</a:t>
+            </a:r>
+            <a:r>
+              <a:rPr lang="ko-KR" altLang="en-US" sz="1500" b="1" dirty="0" smtClean="0"/>
+              <a:t>록</a:t>
+            </a:r>
+            <a:endParaRPr lang="ko-KR" altLang="en-US" sz="1500" b="1" dirty="0"/>
+          </a:p>
+        </p:txBody>
+      </p:sp>
     </p:spTree>
     <p:extLst>
       <p:ext uri="{BB962C8B-B14F-4D97-AF65-F5344CB8AC3E}">
@@ -5186,6 +5406,9 @@
           <a:prstGeom prst="rect">
             <a:avLst/>
           </a:prstGeom>
+          <a:ln>
+            <a:noFill/>
+          </a:ln>
         </p:spPr>
         <p:style>
           <a:lnRef idx="2">
@@ -5225,7 +5448,7 @@
         <p:spPr>
           <a:xfrm>
             <a:off x="635326" y="493953"/>
-            <a:ext cx="6050482" cy="553003"/>
+            <a:ext cx="6002980" cy="553003"/>
           </a:xfrm>
         </p:spPr>
         <p:txBody>
@@ -5245,7 +5468,7 @@
               <a:rPr lang="ko-KR" altLang="en-US" sz="3000" b="1" dirty="0" smtClean="0">
                 <a:latin typeface="+mn-lt"/>
               </a:rPr>
-              <a:t>화면 구현</a:t>
+              <a:t>화면 구현 </a:t>
             </a:r>
             <a:r>
               <a:rPr lang="en-US" altLang="ko-KR" sz="3000" b="1" dirty="0" smtClean="0">
@@ -5273,14 +5496,14 @@
       </p:sp>
       <p:sp>
         <p:nvSpPr>
-          <p:cNvPr id="15" name="직사각형 14"/>
+          <p:cNvPr id="21" name="직사각형 20"/>
           <p:cNvSpPr/>
           <p:nvPr/>
         </p:nvSpPr>
         <p:spPr>
           <a:xfrm>
-            <a:off x="976106" y="1413163"/>
-            <a:ext cx="3369243" cy="432287"/>
+            <a:off x="8787349" y="2343979"/>
+            <a:ext cx="1889400" cy="432287"/>
           </a:xfrm>
           <a:prstGeom prst="rect">
             <a:avLst/>
@@ -5319,7 +5542,7 @@
       </p:sp>
       <p:sp>
         <p:nvSpPr>
-          <p:cNvPr id="16" name="제목 1"/>
+          <p:cNvPr id="22" name="제목 1"/>
           <p:cNvSpPr txBox="1">
             <a:spLocks/>
           </p:cNvSpPr>
@@ -5327,8 +5550,8 @@
         </p:nvSpPr>
         <p:spPr>
           <a:xfrm>
-            <a:off x="976105" y="1413163"/>
-            <a:ext cx="3369244" cy="432287"/>
+            <a:off x="9029053" y="2397115"/>
+            <a:ext cx="1405991" cy="324616"/>
           </a:xfrm>
           <a:prstGeom prst="rect">
             <a:avLst/>
@@ -5359,23 +5582,23 @@
           </a:lstStyle>
           <a:p>
             <a:r>
-              <a:rPr lang="ko-KR" altLang="en-US" sz="2000" b="1" dirty="0" err="1" smtClean="0"/>
-              <a:t>고객목록</a:t>
-            </a:r>
-            <a:endParaRPr lang="ko-KR" altLang="en-US" sz="2000" b="1" dirty="0"/>
-          </a:p>
-        </p:txBody>
-      </p:sp>
-      <p:sp>
-        <p:nvSpPr>
-          <p:cNvPr id="18" name="직사각형 17"/>
+              <a:rPr lang="ko-KR" altLang="en-US" sz="1500" b="1" dirty="0" err="1" smtClean="0"/>
+              <a:t>고객수정</a:t>
+            </a:r>
+            <a:endParaRPr lang="ko-KR" altLang="en-US" sz="1500" b="1" dirty="0"/>
+          </a:p>
+        </p:txBody>
+      </p:sp>
+      <p:sp>
+        <p:nvSpPr>
+          <p:cNvPr id="29" name="직사각형 28"/>
           <p:cNvSpPr/>
           <p:nvPr/>
         </p:nvSpPr>
         <p:spPr>
           <a:xfrm>
-            <a:off x="5083376" y="1413163"/>
-            <a:ext cx="2324422" cy="432287"/>
+            <a:off x="5285864" y="2343979"/>
+            <a:ext cx="1889400" cy="432287"/>
           </a:xfrm>
           <a:prstGeom prst="rect">
             <a:avLst/>
@@ -5414,7 +5637,7 @@
       </p:sp>
       <p:sp>
         <p:nvSpPr>
-          <p:cNvPr id="23" name="제목 1"/>
+          <p:cNvPr id="30" name="제목 1"/>
           <p:cNvSpPr txBox="1">
             <a:spLocks/>
           </p:cNvSpPr>
@@ -5422,8 +5645,8 @@
         </p:nvSpPr>
         <p:spPr>
           <a:xfrm>
-            <a:off x="5083374" y="1413163"/>
-            <a:ext cx="2324423" cy="432287"/>
+            <a:off x="5527568" y="2397115"/>
+            <a:ext cx="1405991" cy="324616"/>
           </a:xfrm>
           <a:prstGeom prst="rect">
             <a:avLst/>
@@ -5454,13 +5677,103 @@
           </a:lstStyle>
           <a:p>
             <a:r>
-              <a:rPr lang="ko-KR" altLang="en-US" sz="2000" b="1" dirty="0" err="1" smtClean="0"/>
+              <a:rPr lang="ko-KR" altLang="en-US" sz="1500" b="1" dirty="0" err="1" smtClean="0"/>
               <a:t>고객등록</a:t>
             </a:r>
-            <a:endParaRPr lang="ko-KR" altLang="en-US" sz="2000" b="1" dirty="0"/>
-          </a:p>
-        </p:txBody>
-      </p:sp>
+            <a:endParaRPr lang="ko-KR" altLang="en-US" sz="1500" b="1" dirty="0"/>
+          </a:p>
+        </p:txBody>
+      </p:sp>
+      <p:pic>
+        <p:nvPicPr>
+          <p:cNvPr id="3" name="그림 2"/>
+          <p:cNvPicPr>
+            <a:picLocks noChangeAspect="1"/>
+          </p:cNvPicPr>
+          <p:nvPr/>
+        </p:nvPicPr>
+        <p:blipFill>
+          <a:blip r:embed="rId2">
+            <a:extLst>
+              <a:ext uri="{28A0092B-C50C-407E-A947-70E740481C1C}">
+                <a14:useLocalDpi xmlns:a14="http://schemas.microsoft.com/office/drawing/2010/main" val="0"/>
+              </a:ext>
+            </a:extLst>
+          </a:blip>
+          <a:stretch>
+            <a:fillRect/>
+          </a:stretch>
+        </p:blipFill>
+        <p:spPr>
+          <a:xfrm>
+            <a:off x="5285864" y="2770673"/>
+            <a:ext cx="1889400" cy="1591456"/>
+          </a:xfrm>
+          <a:prstGeom prst="rect">
+            <a:avLst/>
+          </a:prstGeom>
+        </p:spPr>
+      </p:pic>
+      <p:pic>
+        <p:nvPicPr>
+          <p:cNvPr id="4" name="그림 3"/>
+          <p:cNvPicPr>
+            <a:picLocks noChangeAspect="1"/>
+          </p:cNvPicPr>
+          <p:nvPr/>
+        </p:nvPicPr>
+        <p:blipFill>
+          <a:blip r:embed="rId3">
+            <a:extLst>
+              <a:ext uri="{28A0092B-C50C-407E-A947-70E740481C1C}">
+                <a14:useLocalDpi xmlns:a14="http://schemas.microsoft.com/office/drawing/2010/main" val="0"/>
+              </a:ext>
+            </a:extLst>
+          </a:blip>
+          <a:stretch>
+            <a:fillRect/>
+          </a:stretch>
+        </p:blipFill>
+        <p:spPr>
+          <a:xfrm>
+            <a:off x="1225487" y="2781859"/>
+            <a:ext cx="2448292" cy="1281146"/>
+          </a:xfrm>
+          <a:prstGeom prst="rect">
+            <a:avLst/>
+          </a:prstGeom>
+        </p:spPr>
+      </p:pic>
+      <p:pic>
+        <p:nvPicPr>
+          <p:cNvPr id="5" name="그림 4"/>
+          <p:cNvPicPr>
+            <a:picLocks noChangeAspect="1"/>
+          </p:cNvPicPr>
+          <p:nvPr/>
+        </p:nvPicPr>
+        <p:blipFill>
+          <a:blip r:embed="rId4">
+            <a:extLst>
+              <a:ext uri="{28A0092B-C50C-407E-A947-70E740481C1C}">
+                <a14:useLocalDpi xmlns:a14="http://schemas.microsoft.com/office/drawing/2010/main" val="0"/>
+              </a:ext>
+            </a:extLst>
+          </a:blip>
+          <a:stretch>
+            <a:fillRect/>
+          </a:stretch>
+        </p:blipFill>
+        <p:spPr>
+          <a:xfrm>
+            <a:off x="8787350" y="2774868"/>
+            <a:ext cx="1889400" cy="1551750"/>
+          </a:xfrm>
+          <a:prstGeom prst="rect">
+            <a:avLst/>
+          </a:prstGeom>
+        </p:spPr>
+      </p:pic>
       <p:sp>
         <p:nvSpPr>
           <p:cNvPr id="27" name="직사각형 26"/>
@@ -5469,8 +5782,8 @@
         </p:nvSpPr>
         <p:spPr>
           <a:xfrm>
-            <a:off x="8385043" y="1413163"/>
-            <a:ext cx="2813566" cy="432287"/>
+            <a:off x="1225487" y="2349572"/>
+            <a:ext cx="2448292" cy="432287"/>
           </a:xfrm>
           <a:prstGeom prst="rect">
             <a:avLst/>
@@ -5509,7 +5822,7 @@
       </p:sp>
       <p:sp>
         <p:nvSpPr>
-          <p:cNvPr id="28" name="제목 1"/>
+          <p:cNvPr id="20" name="제목 1"/>
           <p:cNvSpPr txBox="1">
             <a:spLocks/>
           </p:cNvSpPr>
@@ -5517,8 +5830,8 @@
         </p:nvSpPr>
         <p:spPr>
           <a:xfrm>
-            <a:off x="8385041" y="1413163"/>
-            <a:ext cx="2813567" cy="432287"/>
+            <a:off x="1746637" y="2401078"/>
+            <a:ext cx="1405991" cy="324616"/>
           </a:xfrm>
           <a:prstGeom prst="rect">
             <a:avLst/>
@@ -5549,17 +5862,17 @@
           </a:lstStyle>
           <a:p>
             <a:r>
-              <a:rPr lang="ko-KR" altLang="en-US" sz="2000" b="1" dirty="0" err="1" smtClean="0"/>
-              <a:t>고객수정</a:t>
-            </a:r>
-            <a:endParaRPr lang="ko-KR" altLang="en-US" sz="2000" b="1" dirty="0"/>
+              <a:rPr lang="ko-KR" altLang="en-US" sz="1500" b="1" dirty="0" err="1" smtClean="0"/>
+              <a:t>고객목록</a:t>
+            </a:r>
+            <a:endParaRPr lang="ko-KR" altLang="en-US" sz="1500" b="1" dirty="0"/>
           </a:p>
         </p:txBody>
       </p:sp>
     </p:spTree>
     <p:extLst>
       <p:ext uri="{BB962C8B-B14F-4D97-AF65-F5344CB8AC3E}">
-        <p14:creationId xmlns:p14="http://schemas.microsoft.com/office/powerpoint/2010/main" val="1045801635"/>
+        <p14:creationId xmlns:p14="http://schemas.microsoft.com/office/powerpoint/2010/main" val="3126751036"/>
       </p:ext>
     </p:extLst>
   </p:cSld>
@@ -5600,6 +5913,9 @@
           <a:prstGeom prst="rect">
             <a:avLst/>
           </a:prstGeom>
+          <a:ln>
+            <a:noFill/>
+          </a:ln>
         </p:spPr>
         <p:style>
           <a:lnRef idx="2">
@@ -5653,7 +5969,7 @@
               <a:rPr lang="en-US" altLang="ko-KR" sz="3000" b="1" dirty="0" smtClean="0">
                 <a:latin typeface="+mn-lt"/>
               </a:rPr>
-              <a:t>3. </a:t>
+              <a:t>3-1. </a:t>
             </a:r>
             <a:r>
               <a:rPr lang="ko-KR" altLang="en-US" sz="3000" b="1" dirty="0" smtClean="0">
@@ -5687,14 +6003,14 @@
       </p:sp>
       <p:sp>
         <p:nvSpPr>
-          <p:cNvPr id="15" name="직사각형 14"/>
+          <p:cNvPr id="11" name="직사각형 10"/>
           <p:cNvSpPr/>
           <p:nvPr/>
         </p:nvSpPr>
         <p:spPr>
           <a:xfrm>
-            <a:off x="976106" y="1413163"/>
-            <a:ext cx="3369243" cy="432287"/>
+            <a:off x="1038689" y="1470340"/>
+            <a:ext cx="2099364" cy="432287"/>
           </a:xfrm>
           <a:prstGeom prst="rect">
             <a:avLst/>
@@ -5727,69 +6043,122 @@
           <a:lstStyle/>
           <a:p>
             <a:pPr algn="ctr"/>
-            <a:endParaRPr lang="ko-KR" altLang="en-US"/>
-          </a:p>
-        </p:txBody>
-      </p:sp>
-      <p:sp>
-        <p:nvSpPr>
-          <p:cNvPr id="16" name="제목 1"/>
-          <p:cNvSpPr txBox="1">
-            <a:spLocks/>
-          </p:cNvSpPr>
-          <p:nvPr/>
-        </p:nvSpPr>
-        <p:spPr>
-          <a:xfrm>
-            <a:off x="976105" y="1413163"/>
-            <a:ext cx="3369244" cy="432287"/>
-          </a:xfrm>
-          <a:prstGeom prst="rect">
-            <a:avLst/>
-          </a:prstGeom>
-        </p:spPr>
-        <p:txBody>
-          <a:bodyPr vert="horz" lIns="91440" tIns="45720" rIns="91440" bIns="45720" rtlCol="0" anchor="b">
-            <a:noAutofit/>
-          </a:bodyPr>
-          <a:lstStyle>
-            <a:lvl1pPr algn="ctr" defTabSz="914400" rtl="0" eaLnBrk="1" latinLnBrk="1" hangingPunct="1">
-              <a:lnSpc>
-                <a:spcPct val="90000"/>
-              </a:lnSpc>
-              <a:spcBef>
-                <a:spcPct val="0"/>
-              </a:spcBef>
-              <a:buNone/>
-              <a:defRPr sz="6000" kern="1200">
+            <a:r>
+              <a:rPr lang="en-US" altLang="ko-KR" sz="1500" b="1" dirty="0" smtClean="0">
                 <a:solidFill>
                   <a:schemeClr val="tx1"/>
                 </a:solidFill>
-                <a:latin typeface="+mj-lt"/>
-                <a:ea typeface="+mj-ea"/>
-                <a:cs typeface="+mj-cs"/>
-              </a:defRPr>
-            </a:lvl1pPr>
-          </a:lstStyle>
-          <a:p>
-            <a:r>
-              <a:rPr lang="ko-KR" altLang="en-US" sz="2000" b="1" dirty="0" err="1" smtClean="0"/>
-              <a:t>고객목록</a:t>
-            </a:r>
-            <a:endParaRPr lang="ko-KR" altLang="en-US" sz="2000" b="1" dirty="0"/>
-          </a:p>
-        </p:txBody>
-      </p:sp>
-      <p:sp>
-        <p:nvSpPr>
-          <p:cNvPr id="18" name="직사각형 17"/>
+              </a:rPr>
+              <a:t>Controller</a:t>
+            </a:r>
+            <a:endParaRPr lang="ko-KR" altLang="en-US" sz="1500" b="1" dirty="0">
+              <a:solidFill>
+                <a:schemeClr val="tx1"/>
+              </a:solidFill>
+            </a:endParaRPr>
+          </a:p>
+        </p:txBody>
+      </p:sp>
+      <p:pic>
+        <p:nvPicPr>
+          <p:cNvPr id="3" name="그림 2"/>
+          <p:cNvPicPr>
+            <a:picLocks noChangeAspect="1"/>
+          </p:cNvPicPr>
+          <p:nvPr/>
+        </p:nvPicPr>
+        <p:blipFill>
+          <a:blip r:embed="rId2">
+            <a:extLst>
+              <a:ext uri="{28A0092B-C50C-407E-A947-70E740481C1C}">
+                <a14:useLocalDpi xmlns:a14="http://schemas.microsoft.com/office/drawing/2010/main" val="0"/>
+              </a:ext>
+            </a:extLst>
+          </a:blip>
+          <a:stretch>
+            <a:fillRect/>
+          </a:stretch>
+        </p:blipFill>
+        <p:spPr>
+          <a:xfrm>
+            <a:off x="1038689" y="1902627"/>
+            <a:ext cx="2099364" cy="3778855"/>
+          </a:xfrm>
+          <a:prstGeom prst="rect">
+            <a:avLst/>
+          </a:prstGeom>
+        </p:spPr>
+      </p:pic>
+      <p:pic>
+        <p:nvPicPr>
+          <p:cNvPr id="4" name="그림 3"/>
+          <p:cNvPicPr>
+            <a:picLocks noChangeAspect="1"/>
+          </p:cNvPicPr>
+          <p:nvPr/>
+        </p:nvPicPr>
+        <p:blipFill>
+          <a:blip r:embed="rId3">
+            <a:extLst>
+              <a:ext uri="{28A0092B-C50C-407E-A947-70E740481C1C}">
+                <a14:useLocalDpi xmlns:a14="http://schemas.microsoft.com/office/drawing/2010/main" val="0"/>
+              </a:ext>
+            </a:extLst>
+          </a:blip>
+          <a:stretch>
+            <a:fillRect/>
+          </a:stretch>
+        </p:blipFill>
+        <p:spPr>
+          <a:xfrm>
+            <a:off x="4247424" y="1902627"/>
+            <a:ext cx="2496626" cy="2429149"/>
+          </a:xfrm>
+          <a:prstGeom prst="rect">
+            <a:avLst/>
+          </a:prstGeom>
+        </p:spPr>
+      </p:pic>
+      <p:pic>
+        <p:nvPicPr>
+          <p:cNvPr id="5" name="그림 4"/>
+          <p:cNvPicPr>
+            <a:picLocks noChangeAspect="1"/>
+          </p:cNvPicPr>
+          <p:nvPr/>
+        </p:nvPicPr>
+        <p:blipFill>
+          <a:blip r:embed="rId4">
+            <a:extLst>
+              <a:ext uri="{28A0092B-C50C-407E-A947-70E740481C1C}">
+                <a14:useLocalDpi xmlns:a14="http://schemas.microsoft.com/office/drawing/2010/main" val="0"/>
+              </a:ext>
+            </a:extLst>
+          </a:blip>
+          <a:stretch>
+            <a:fillRect/>
+          </a:stretch>
+        </p:blipFill>
+        <p:spPr>
+          <a:xfrm>
+            <a:off x="7647022" y="1901227"/>
+            <a:ext cx="3547097" cy="1906263"/>
+          </a:xfrm>
+          <a:prstGeom prst="rect">
+            <a:avLst/>
+          </a:prstGeom>
+        </p:spPr>
+      </p:pic>
+      <p:sp>
+        <p:nvSpPr>
+          <p:cNvPr id="17" name="직사각형 16"/>
           <p:cNvSpPr/>
           <p:nvPr/>
         </p:nvSpPr>
         <p:spPr>
           <a:xfrm>
-            <a:off x="5083376" y="1413163"/>
-            <a:ext cx="2324422" cy="432287"/>
+            <a:off x="4247424" y="1470340"/>
+            <a:ext cx="2496626" cy="432287"/>
           </a:xfrm>
           <a:prstGeom prst="rect">
             <a:avLst/>
@@ -5828,7 +6197,7 @@
       </p:sp>
       <p:sp>
         <p:nvSpPr>
-          <p:cNvPr id="23" name="제목 1"/>
+          <p:cNvPr id="19" name="제목 1"/>
           <p:cNvSpPr txBox="1">
             <a:spLocks/>
           </p:cNvSpPr>
@@ -5836,8 +6205,8 @@
         </p:nvSpPr>
         <p:spPr>
           <a:xfrm>
-            <a:off x="5083374" y="1413163"/>
-            <a:ext cx="2324423" cy="432287"/>
+            <a:off x="4566809" y="1523476"/>
+            <a:ext cx="1857856" cy="324616"/>
           </a:xfrm>
           <a:prstGeom prst="rect">
             <a:avLst/>
@@ -5868,23 +6237,23 @@
           </a:lstStyle>
           <a:p>
             <a:r>
-              <a:rPr lang="ko-KR" altLang="en-US" sz="2000" b="1" dirty="0" err="1" smtClean="0"/>
-              <a:t>고객등록</a:t>
-            </a:r>
-            <a:endParaRPr lang="ko-KR" altLang="en-US" sz="2000" b="1" dirty="0"/>
-          </a:p>
-        </p:txBody>
-      </p:sp>
-      <p:sp>
-        <p:nvSpPr>
-          <p:cNvPr id="27" name="직사각형 26"/>
+              <a:rPr lang="en-US" altLang="ko-KR" sz="1500" b="1" dirty="0" smtClean="0"/>
+              <a:t>DAO</a:t>
+            </a:r>
+            <a:endParaRPr lang="ko-KR" altLang="en-US" sz="1500" b="1" dirty="0"/>
+          </a:p>
+        </p:txBody>
+      </p:sp>
+      <p:sp>
+        <p:nvSpPr>
+          <p:cNvPr id="20" name="직사각형 19"/>
           <p:cNvSpPr/>
           <p:nvPr/>
         </p:nvSpPr>
         <p:spPr>
           <a:xfrm>
-            <a:off x="8385043" y="1413163"/>
-            <a:ext cx="2813566" cy="432287"/>
+            <a:off x="7647023" y="1470340"/>
+            <a:ext cx="3547096" cy="432287"/>
           </a:xfrm>
           <a:prstGeom prst="rect">
             <a:avLst/>
@@ -5917,13 +6286,33 @@
           <a:lstStyle/>
           <a:p>
             <a:pPr algn="ctr"/>
-            <a:endParaRPr lang="ko-KR" altLang="en-US"/>
-          </a:p>
-        </p:txBody>
-      </p:sp>
-      <p:sp>
-        <p:nvSpPr>
-          <p:cNvPr id="28" name="제목 1"/>
+            <a:r>
+              <a:rPr lang="en-US" altLang="ko-KR" sz="1500" b="1" dirty="0">
+                <a:solidFill>
+                  <a:schemeClr val="tx1"/>
+                </a:solidFill>
+              </a:rPr>
+              <a:t>Q</a:t>
+            </a:r>
+            <a:r>
+              <a:rPr lang="en-US" altLang="ko-KR" sz="1500" b="1" dirty="0" smtClean="0">
+                <a:solidFill>
+                  <a:schemeClr val="tx1"/>
+                </a:solidFill>
+              </a:rPr>
+              <a:t>uery</a:t>
+            </a:r>
+            <a:endParaRPr lang="ko-KR" altLang="en-US" sz="1500" dirty="0">
+              <a:solidFill>
+                <a:schemeClr val="tx1"/>
+              </a:solidFill>
+            </a:endParaRPr>
+          </a:p>
+        </p:txBody>
+      </p:sp>
+      <p:sp>
+        <p:nvSpPr>
+          <p:cNvPr id="21" name="제목 1"/>
           <p:cNvSpPr txBox="1">
             <a:spLocks/>
           </p:cNvSpPr>
@@ -5931,8 +6320,8 @@
         </p:nvSpPr>
         <p:spPr>
           <a:xfrm>
-            <a:off x="8385041" y="1413163"/>
-            <a:ext cx="2813567" cy="432287"/>
+            <a:off x="8036724" y="1523476"/>
+            <a:ext cx="2639559" cy="324616"/>
           </a:xfrm>
           <a:prstGeom prst="rect">
             <a:avLst/>
@@ -5962,11 +6351,7 @@
             </a:lvl1pPr>
           </a:lstStyle>
           <a:p>
-            <a:r>
-              <a:rPr lang="ko-KR" altLang="en-US" sz="2000" b="1" dirty="0" err="1" smtClean="0"/>
-              <a:t>고객수정</a:t>
-            </a:r>
-            <a:endParaRPr lang="ko-KR" altLang="en-US" sz="2000" b="1" dirty="0"/>
+            <a:endParaRPr lang="ko-KR" altLang="en-US" sz="1500" b="1" dirty="0"/>
           </a:p>
         </p:txBody>
       </p:sp>
@@ -6014,6 +6399,9 @@
           <a:prstGeom prst="rect">
             <a:avLst/>
           </a:prstGeom>
+          <a:ln>
+            <a:noFill/>
+          </a:ln>
         </p:spPr>
         <p:style>
           <a:lnRef idx="2">
@@ -6053,7 +6441,7 @@
         <p:spPr>
           <a:xfrm>
             <a:off x="635326" y="493953"/>
-            <a:ext cx="5302336" cy="553003"/>
+            <a:ext cx="6050482" cy="553003"/>
           </a:xfrm>
         </p:spPr>
         <p:txBody>
@@ -6067,25 +6455,25 @@
               <a:rPr lang="en-US" altLang="ko-KR" sz="3000" b="1" dirty="0" smtClean="0">
                 <a:latin typeface="+mn-lt"/>
               </a:rPr>
-              <a:t>4-1. </a:t>
+              <a:t>3-2. </a:t>
             </a:r>
             <a:r>
               <a:rPr lang="ko-KR" altLang="en-US" sz="3000" b="1" dirty="0" smtClean="0">
                 <a:latin typeface="+mn-lt"/>
               </a:rPr>
-              <a:t>실행 </a:t>
+              <a:t>기능 구현 </a:t>
             </a:r>
             <a:r>
               <a:rPr lang="en-US" altLang="ko-KR" sz="3000" b="1" dirty="0" smtClean="0">
                 <a:latin typeface="+mn-lt"/>
               </a:rPr>
-              <a:t>- Book(</a:t>
+              <a:t>– Customer(</a:t>
             </a:r>
             <a:r>
               <a:rPr lang="ko-KR" altLang="en-US" sz="3000" b="1" dirty="0" smtClean="0">
                 <a:latin typeface="+mn-lt"/>
               </a:rPr>
-              <a:t>도서</a:t>
+              <a:t>고객</a:t>
             </a:r>
             <a:r>
               <a:rPr lang="en-US" altLang="ko-KR" sz="3000" b="1" dirty="0" smtClean="0">
@@ -6101,14 +6489,14 @@
       </p:sp>
       <p:sp>
         <p:nvSpPr>
-          <p:cNvPr id="15" name="직사각형 14"/>
+          <p:cNvPr id="11" name="직사각형 10"/>
           <p:cNvSpPr/>
           <p:nvPr/>
         </p:nvSpPr>
         <p:spPr>
           <a:xfrm>
-            <a:off x="976107" y="1413163"/>
-            <a:ext cx="2620628" cy="432287"/>
+            <a:off x="1038689" y="1470340"/>
+            <a:ext cx="2099364" cy="432287"/>
           </a:xfrm>
           <a:prstGeom prst="rect">
             <a:avLst/>
@@ -6141,99 +6529,32 @@
           <a:lstStyle/>
           <a:p>
             <a:pPr algn="ctr"/>
-            <a:endParaRPr lang="ko-KR" altLang="en-US"/>
-          </a:p>
-        </p:txBody>
-      </p:sp>
-      <p:sp>
-        <p:nvSpPr>
-          <p:cNvPr id="16" name="제목 1"/>
-          <p:cNvSpPr txBox="1">
-            <a:spLocks/>
-          </p:cNvSpPr>
-          <p:nvPr/>
-        </p:nvSpPr>
-        <p:spPr>
-          <a:xfrm>
-            <a:off x="976105" y="1413163"/>
-            <a:ext cx="2620629" cy="432287"/>
-          </a:xfrm>
-          <a:prstGeom prst="rect">
-            <a:avLst/>
-          </a:prstGeom>
-        </p:spPr>
-        <p:txBody>
-          <a:bodyPr vert="horz" lIns="91440" tIns="45720" rIns="91440" bIns="45720" rtlCol="0" anchor="b">
-            <a:noAutofit/>
-          </a:bodyPr>
-          <a:lstStyle>
-            <a:lvl1pPr algn="ctr" defTabSz="914400" rtl="0" eaLnBrk="1" latinLnBrk="1" hangingPunct="1">
-              <a:lnSpc>
-                <a:spcPct val="90000"/>
-              </a:lnSpc>
-              <a:spcBef>
-                <a:spcPct val="0"/>
-              </a:spcBef>
-              <a:buNone/>
-              <a:defRPr sz="6000" kern="1200">
+            <a:r>
+              <a:rPr lang="en-US" altLang="ko-KR" sz="1500" b="1" dirty="0" smtClean="0">
                 <a:solidFill>
                   <a:schemeClr val="tx1"/>
                 </a:solidFill>
-                <a:latin typeface="+mj-lt"/>
-                <a:ea typeface="+mj-ea"/>
-                <a:cs typeface="+mj-cs"/>
-              </a:defRPr>
-            </a:lvl1pPr>
-          </a:lstStyle>
-          <a:p>
-            <a:r>
-              <a:rPr lang="ko-KR" altLang="en-US" sz="2000" b="1" dirty="0" smtClean="0"/>
-              <a:t>도서목록</a:t>
-            </a:r>
-            <a:endParaRPr lang="ko-KR" altLang="en-US" sz="2000" b="1" dirty="0"/>
-          </a:p>
-        </p:txBody>
-      </p:sp>
-      <p:pic>
-        <p:nvPicPr>
-          <p:cNvPr id="3" name="그림 2"/>
-          <p:cNvPicPr>
-            <a:picLocks noChangeAspect="1"/>
-          </p:cNvPicPr>
-          <p:nvPr/>
-        </p:nvPicPr>
-        <p:blipFill>
-          <a:blip r:embed="rId2">
-            <a:extLst>
-              <a:ext uri="{28A0092B-C50C-407E-A947-70E740481C1C}">
-                <a14:useLocalDpi xmlns:a14="http://schemas.microsoft.com/office/drawing/2010/main" val="0"/>
-              </a:ext>
-            </a:extLst>
-          </a:blip>
-          <a:stretch>
-            <a:fillRect/>
-          </a:stretch>
-        </p:blipFill>
-        <p:spPr>
-          <a:xfrm>
-            <a:off x="976107" y="1845451"/>
-            <a:ext cx="2620627" cy="1246314"/>
-          </a:xfrm>
-          <a:prstGeom prst="rect">
-            <a:avLst/>
-          </a:prstGeom>
-        </p:spPr>
-      </p:pic>
-      <p:sp>
-        <p:nvSpPr>
-          <p:cNvPr id="18" name="직사각형 17"/>
+              </a:rPr>
+              <a:t>Controller</a:t>
+            </a:r>
+            <a:endParaRPr lang="ko-KR" altLang="en-US" sz="1500" b="1" dirty="0">
+              <a:solidFill>
+                <a:schemeClr val="tx1"/>
+              </a:solidFill>
+            </a:endParaRPr>
+          </a:p>
+        </p:txBody>
+      </p:sp>
+      <p:sp>
+        <p:nvSpPr>
+          <p:cNvPr id="17" name="직사각형 16"/>
           <p:cNvSpPr/>
           <p:nvPr/>
         </p:nvSpPr>
         <p:spPr>
           <a:xfrm>
-            <a:off x="4335333" y="1413163"/>
-            <a:ext cx="2123696" cy="432287"/>
+            <a:off x="4247424" y="1470340"/>
+            <a:ext cx="2496626" cy="432287"/>
           </a:xfrm>
           <a:prstGeom prst="rect">
             <a:avLst/>
@@ -6272,7 +6593,7 @@
       </p:sp>
       <p:sp>
         <p:nvSpPr>
-          <p:cNvPr id="23" name="제목 1"/>
+          <p:cNvPr id="19" name="제목 1"/>
           <p:cNvSpPr txBox="1">
             <a:spLocks/>
           </p:cNvSpPr>
@@ -6280,8 +6601,8 @@
         </p:nvSpPr>
         <p:spPr>
           <a:xfrm>
-            <a:off x="4335331" y="1413163"/>
-            <a:ext cx="2123697" cy="432287"/>
+            <a:off x="4566809" y="1523476"/>
+            <a:ext cx="1857856" cy="324616"/>
           </a:xfrm>
           <a:prstGeom prst="rect">
             <a:avLst/>
@@ -6312,83 +6633,23 @@
           </a:lstStyle>
           <a:p>
             <a:r>
-              <a:rPr lang="ko-KR" altLang="en-US" sz="2000" b="1" dirty="0" err="1" smtClean="0"/>
-              <a:t>도서등록</a:t>
-            </a:r>
-            <a:endParaRPr lang="ko-KR" altLang="en-US" sz="2000" b="1" dirty="0"/>
-          </a:p>
-        </p:txBody>
-      </p:sp>
-      <p:pic>
-        <p:nvPicPr>
-          <p:cNvPr id="4" name="그림 3"/>
-          <p:cNvPicPr>
-            <a:picLocks noChangeAspect="1"/>
-          </p:cNvPicPr>
-          <p:nvPr/>
-        </p:nvPicPr>
-        <p:blipFill>
-          <a:blip r:embed="rId3">
-            <a:extLst>
-              <a:ext uri="{28A0092B-C50C-407E-A947-70E740481C1C}">
-                <a14:useLocalDpi xmlns:a14="http://schemas.microsoft.com/office/drawing/2010/main" val="0"/>
-              </a:ext>
-            </a:extLst>
-          </a:blip>
-          <a:stretch>
-            <a:fillRect/>
-          </a:stretch>
-        </p:blipFill>
-        <p:spPr>
-          <a:xfrm>
-            <a:off x="4335331" y="1845450"/>
-            <a:ext cx="2123697" cy="1731013"/>
-          </a:xfrm>
-          <a:prstGeom prst="rect">
-            <a:avLst/>
-          </a:prstGeom>
-        </p:spPr>
-      </p:pic>
-      <p:pic>
-        <p:nvPicPr>
-          <p:cNvPr id="6" name="그림 5"/>
-          <p:cNvPicPr>
-            <a:picLocks noChangeAspect="1"/>
-          </p:cNvPicPr>
-          <p:nvPr/>
-        </p:nvPicPr>
-        <p:blipFill>
-          <a:blip r:embed="rId4">
-            <a:extLst>
-              <a:ext uri="{28A0092B-C50C-407E-A947-70E740481C1C}">
-                <a14:useLocalDpi xmlns:a14="http://schemas.microsoft.com/office/drawing/2010/main" val="0"/>
-              </a:ext>
-            </a:extLst>
-          </a:blip>
-          <a:stretch>
-            <a:fillRect/>
-          </a:stretch>
-        </p:blipFill>
-        <p:spPr>
-          <a:xfrm>
-            <a:off x="7175833" y="1845450"/>
-            <a:ext cx="4096322" cy="1362265"/>
-          </a:xfrm>
-          <a:prstGeom prst="rect">
-            <a:avLst/>
-          </a:prstGeom>
-        </p:spPr>
-      </p:pic>
-      <p:sp>
-        <p:nvSpPr>
-          <p:cNvPr id="25" name="직사각형 24"/>
+              <a:rPr lang="en-US" altLang="ko-KR" sz="1500" b="1" dirty="0" smtClean="0"/>
+              <a:t>DAO</a:t>
+            </a:r>
+            <a:endParaRPr lang="ko-KR" altLang="en-US" sz="1500" b="1" dirty="0"/>
+          </a:p>
+        </p:txBody>
+      </p:sp>
+      <p:sp>
+        <p:nvSpPr>
+          <p:cNvPr id="20" name="직사각형 19"/>
           <p:cNvSpPr/>
           <p:nvPr/>
         </p:nvSpPr>
         <p:spPr>
           <a:xfrm>
-            <a:off x="7175831" y="1413163"/>
-            <a:ext cx="4096323" cy="432287"/>
+            <a:off x="7647023" y="1470340"/>
+            <a:ext cx="3547096" cy="432287"/>
           </a:xfrm>
           <a:prstGeom prst="rect">
             <a:avLst/>
@@ -6421,13 +6682,33 @@
           <a:lstStyle/>
           <a:p>
             <a:pPr algn="ctr"/>
-            <a:endParaRPr lang="ko-KR" altLang="en-US"/>
-          </a:p>
-        </p:txBody>
-      </p:sp>
-      <p:sp>
-        <p:nvSpPr>
-          <p:cNvPr id="26" name="제목 1"/>
+            <a:r>
+              <a:rPr lang="en-US" altLang="ko-KR" sz="1500" b="1" dirty="0">
+                <a:solidFill>
+                  <a:schemeClr val="tx1"/>
+                </a:solidFill>
+              </a:rPr>
+              <a:t>Q</a:t>
+            </a:r>
+            <a:r>
+              <a:rPr lang="en-US" altLang="ko-KR" sz="1500" b="1" dirty="0" smtClean="0">
+                <a:solidFill>
+                  <a:schemeClr val="tx1"/>
+                </a:solidFill>
+              </a:rPr>
+              <a:t>uery</a:t>
+            </a:r>
+            <a:endParaRPr lang="ko-KR" altLang="en-US" sz="1500" dirty="0">
+              <a:solidFill>
+                <a:schemeClr val="tx1"/>
+              </a:solidFill>
+            </a:endParaRPr>
+          </a:p>
+        </p:txBody>
+      </p:sp>
+      <p:sp>
+        <p:nvSpPr>
+          <p:cNvPr id="21" name="제목 1"/>
           <p:cNvSpPr txBox="1">
             <a:spLocks/>
           </p:cNvSpPr>
@@ -6435,8 +6716,8 @@
         </p:nvSpPr>
         <p:spPr>
           <a:xfrm>
-            <a:off x="7175830" y="1413163"/>
-            <a:ext cx="4096325" cy="432287"/>
+            <a:off x="8036724" y="1523476"/>
+            <a:ext cx="2639559" cy="324616"/>
           </a:xfrm>
           <a:prstGeom prst="rect">
             <a:avLst/>
@@ -6466,28 +6747,20 @@
             </a:lvl1pPr>
           </a:lstStyle>
           <a:p>
-            <a:r>
-              <a:rPr lang="ko-KR" altLang="en-US" sz="2000" b="1" dirty="0" err="1" smtClean="0"/>
-              <a:t>도서등록</a:t>
-            </a:r>
-            <a:r>
-              <a:rPr lang="ko-KR" altLang="en-US" sz="2000" b="1" dirty="0" smtClean="0"/>
-              <a:t> 확인</a:t>
-            </a:r>
-            <a:endParaRPr lang="ko-KR" altLang="en-US" sz="2000" b="1" dirty="0"/>
+            <a:endParaRPr lang="ko-KR" altLang="en-US" sz="1500" b="1" dirty="0"/>
           </a:p>
         </p:txBody>
       </p:sp>
       <p:pic>
         <p:nvPicPr>
-          <p:cNvPr id="8" name="그림 7"/>
+          <p:cNvPr id="6" name="그림 5"/>
           <p:cNvPicPr>
             <a:picLocks noChangeAspect="1"/>
           </p:cNvPicPr>
           <p:nvPr/>
         </p:nvPicPr>
         <p:blipFill>
-          <a:blip r:embed="rId5">
+          <a:blip r:embed="rId2">
             <a:extLst>
               <a:ext uri="{28A0092B-C50C-407E-A947-70E740481C1C}">
                 <a14:useLocalDpi xmlns:a14="http://schemas.microsoft.com/office/drawing/2010/main" val="0"/>
@@ -6500,119 +6773,24 @@
         </p:blipFill>
         <p:spPr>
           <a:xfrm>
-            <a:off x="976105" y="4511799"/>
-            <a:ext cx="2495898" cy="260190"/>
+            <a:off x="1038689" y="1902627"/>
+            <a:ext cx="2099364" cy="3307664"/>
           </a:xfrm>
           <a:prstGeom prst="rect">
             <a:avLst/>
           </a:prstGeom>
         </p:spPr>
       </p:pic>
-      <p:sp>
-        <p:nvSpPr>
-          <p:cNvPr id="27" name="직사각형 26"/>
-          <p:cNvSpPr/>
-          <p:nvPr/>
-        </p:nvSpPr>
-        <p:spPr>
-          <a:xfrm>
-            <a:off x="976105" y="4079512"/>
-            <a:ext cx="2495899" cy="432287"/>
-          </a:xfrm>
-          <a:prstGeom prst="rect">
-            <a:avLst/>
-          </a:prstGeom>
-          <a:solidFill>
-            <a:schemeClr val="accent1">
-              <a:lumMod val="60000"/>
-              <a:lumOff val="40000"/>
-            </a:schemeClr>
-          </a:solidFill>
-        </p:spPr>
-        <p:style>
-          <a:lnRef idx="2">
-            <a:schemeClr val="accent1">
-              <a:shade val="50000"/>
-            </a:schemeClr>
-          </a:lnRef>
-          <a:fillRef idx="1">
-            <a:schemeClr val="accent1"/>
-          </a:fillRef>
-          <a:effectRef idx="0">
-            <a:schemeClr val="accent1"/>
-          </a:effectRef>
-          <a:fontRef idx="minor">
-            <a:schemeClr val="lt1"/>
-          </a:fontRef>
-        </p:style>
-        <p:txBody>
-          <a:bodyPr rtlCol="0" anchor="ctr"/>
-          <a:lstStyle/>
-          <a:p>
-            <a:pPr algn="ctr"/>
-            <a:endParaRPr lang="ko-KR" altLang="en-US"/>
-          </a:p>
-        </p:txBody>
-      </p:sp>
-      <p:sp>
-        <p:nvSpPr>
-          <p:cNvPr id="28" name="제목 1"/>
-          <p:cNvSpPr txBox="1">
-            <a:spLocks/>
-          </p:cNvSpPr>
-          <p:nvPr/>
-        </p:nvSpPr>
-        <p:spPr>
-          <a:xfrm>
-            <a:off x="976104" y="4079512"/>
-            <a:ext cx="2495900" cy="432287"/>
-          </a:xfrm>
-          <a:prstGeom prst="rect">
-            <a:avLst/>
-          </a:prstGeom>
-        </p:spPr>
-        <p:txBody>
-          <a:bodyPr vert="horz" lIns="91440" tIns="45720" rIns="91440" bIns="45720" rtlCol="0" anchor="b">
-            <a:noAutofit/>
-          </a:bodyPr>
-          <a:lstStyle>
-            <a:lvl1pPr algn="ctr" defTabSz="914400" rtl="0" eaLnBrk="1" latinLnBrk="1" hangingPunct="1">
-              <a:lnSpc>
-                <a:spcPct val="90000"/>
-              </a:lnSpc>
-              <a:spcBef>
-                <a:spcPct val="0"/>
-              </a:spcBef>
-              <a:buNone/>
-              <a:defRPr sz="6000" kern="1200">
-                <a:solidFill>
-                  <a:schemeClr val="tx1"/>
-                </a:solidFill>
-                <a:latin typeface="+mj-lt"/>
-                <a:ea typeface="+mj-ea"/>
-                <a:cs typeface="+mj-cs"/>
-              </a:defRPr>
-            </a:lvl1pPr>
-          </a:lstStyle>
-          <a:p>
-            <a:r>
-              <a:rPr lang="ko-KR" altLang="en-US" sz="2000" b="1" dirty="0" err="1" smtClean="0"/>
-              <a:t>도서수정</a:t>
-            </a:r>
-            <a:endParaRPr lang="ko-KR" altLang="en-US" sz="2000" b="1" dirty="0"/>
-          </a:p>
-        </p:txBody>
-      </p:sp>
       <p:pic>
         <p:nvPicPr>
-          <p:cNvPr id="9" name="그림 8"/>
+          <p:cNvPr id="7" name="그림 6"/>
           <p:cNvPicPr>
             <a:picLocks noChangeAspect="1"/>
           </p:cNvPicPr>
           <p:nvPr/>
         </p:nvPicPr>
         <p:blipFill>
-          <a:blip r:embed="rId6">
+          <a:blip r:embed="rId3">
             <a:extLst>
               <a:ext uri="{28A0092B-C50C-407E-A947-70E740481C1C}">
                 <a14:useLocalDpi xmlns:a14="http://schemas.microsoft.com/office/drawing/2010/main" val="0"/>
@@ -6625,8 +6803,8 @@
         </p:blipFill>
         <p:spPr>
           <a:xfrm>
-            <a:off x="976103" y="4771989"/>
-            <a:ext cx="2495899" cy="1439941"/>
+            <a:off x="4247424" y="1901229"/>
+            <a:ext cx="2496626" cy="2030110"/>
           </a:xfrm>
           <a:prstGeom prst="rect">
             <a:avLst/>
@@ -6635,14 +6813,14 @@
       </p:pic>
       <p:pic>
         <p:nvPicPr>
-          <p:cNvPr id="11" name="그림 10"/>
+          <p:cNvPr id="8" name="그림 7"/>
           <p:cNvPicPr>
             <a:picLocks noChangeAspect="1"/>
           </p:cNvPicPr>
           <p:nvPr/>
         </p:nvPicPr>
         <p:blipFill>
-          <a:blip r:embed="rId7">
+          <a:blip r:embed="rId4">
             <a:extLst>
               <a:ext uri="{28A0092B-C50C-407E-A947-70E740481C1C}">
                 <a14:useLocalDpi xmlns:a14="http://schemas.microsoft.com/office/drawing/2010/main" val="0"/>
@@ -6655,117 +6833,18 @@
         </p:blipFill>
         <p:spPr>
           <a:xfrm>
-            <a:off x="4210599" y="4511799"/>
-            <a:ext cx="4601217" cy="1362265"/>
+            <a:off x="7653415" y="1901228"/>
+            <a:ext cx="3540704" cy="1944282"/>
           </a:xfrm>
           <a:prstGeom prst="rect">
             <a:avLst/>
           </a:prstGeom>
         </p:spPr>
       </p:pic>
-      <p:sp>
-        <p:nvSpPr>
-          <p:cNvPr id="29" name="직사각형 28"/>
-          <p:cNvSpPr/>
-          <p:nvPr/>
-        </p:nvSpPr>
-        <p:spPr>
-          <a:xfrm>
-            <a:off x="4210598" y="4079512"/>
-            <a:ext cx="4601217" cy="432287"/>
-          </a:xfrm>
-          <a:prstGeom prst="rect">
-            <a:avLst/>
-          </a:prstGeom>
-          <a:solidFill>
-            <a:schemeClr val="accent1">
-              <a:lumMod val="60000"/>
-              <a:lumOff val="40000"/>
-            </a:schemeClr>
-          </a:solidFill>
-        </p:spPr>
-        <p:style>
-          <a:lnRef idx="2">
-            <a:schemeClr val="accent1">
-              <a:shade val="50000"/>
-            </a:schemeClr>
-          </a:lnRef>
-          <a:fillRef idx="1">
-            <a:schemeClr val="accent1"/>
-          </a:fillRef>
-          <a:effectRef idx="0">
-            <a:schemeClr val="accent1"/>
-          </a:effectRef>
-          <a:fontRef idx="minor">
-            <a:schemeClr val="lt1"/>
-          </a:fontRef>
-        </p:style>
-        <p:txBody>
-          <a:bodyPr rtlCol="0" anchor="ctr"/>
-          <a:lstStyle/>
-          <a:p>
-            <a:pPr algn="ctr"/>
-            <a:endParaRPr lang="ko-KR" altLang="en-US"/>
-          </a:p>
-        </p:txBody>
-      </p:sp>
-      <p:sp>
-        <p:nvSpPr>
-          <p:cNvPr id="30" name="제목 1"/>
-          <p:cNvSpPr txBox="1">
-            <a:spLocks/>
-          </p:cNvSpPr>
-          <p:nvPr/>
-        </p:nvSpPr>
-        <p:spPr>
-          <a:xfrm>
-            <a:off x="4210596" y="4079512"/>
-            <a:ext cx="4601219" cy="432287"/>
-          </a:xfrm>
-          <a:prstGeom prst="rect">
-            <a:avLst/>
-          </a:prstGeom>
-        </p:spPr>
-        <p:txBody>
-          <a:bodyPr vert="horz" lIns="91440" tIns="45720" rIns="91440" bIns="45720" rtlCol="0" anchor="b">
-            <a:noAutofit/>
-          </a:bodyPr>
-          <a:lstStyle>
-            <a:lvl1pPr algn="ctr" defTabSz="914400" rtl="0" eaLnBrk="1" latinLnBrk="1" hangingPunct="1">
-              <a:lnSpc>
-                <a:spcPct val="90000"/>
-              </a:lnSpc>
-              <a:spcBef>
-                <a:spcPct val="0"/>
-              </a:spcBef>
-              <a:buNone/>
-              <a:defRPr sz="6000" kern="1200">
-                <a:solidFill>
-                  <a:schemeClr val="tx1"/>
-                </a:solidFill>
-                <a:latin typeface="+mj-lt"/>
-                <a:ea typeface="+mj-ea"/>
-                <a:cs typeface="+mj-cs"/>
-              </a:defRPr>
-            </a:lvl1pPr>
-          </a:lstStyle>
-          <a:p>
-            <a:r>
-              <a:rPr lang="ko-KR" altLang="en-US" sz="2000" b="1" dirty="0" err="1" smtClean="0"/>
-              <a:t>도서수정</a:t>
-            </a:r>
-            <a:r>
-              <a:rPr lang="ko-KR" altLang="en-US" sz="2000" b="1" dirty="0" smtClean="0"/>
-              <a:t> 확인</a:t>
-            </a:r>
-            <a:endParaRPr lang="ko-KR" altLang="en-US" sz="2000" b="1" dirty="0"/>
-          </a:p>
-        </p:txBody>
-      </p:sp>
     </p:spTree>
     <p:extLst>
       <p:ext uri="{BB962C8B-B14F-4D97-AF65-F5344CB8AC3E}">
-        <p14:creationId xmlns:p14="http://schemas.microsoft.com/office/powerpoint/2010/main" val="1152766233"/>
+        <p14:creationId xmlns:p14="http://schemas.microsoft.com/office/powerpoint/2010/main" val="4209534074"/>
       </p:ext>
     </p:extLst>
   </p:cSld>
@@ -6806,6 +6885,9 @@
           <a:prstGeom prst="rect">
             <a:avLst/>
           </a:prstGeom>
+          <a:ln>
+            <a:noFill/>
+          </a:ln>
         </p:spPr>
         <p:style>
           <a:lnRef idx="2">
@@ -6859,7 +6941,7 @@
               <a:rPr lang="en-US" altLang="ko-KR" sz="3000" b="1" dirty="0" smtClean="0">
                 <a:latin typeface="+mn-lt"/>
               </a:rPr>
-              <a:t>4-2. </a:t>
+              <a:t>4-1. </a:t>
             </a:r>
             <a:r>
               <a:rPr lang="ko-KR" altLang="en-US" sz="3000" b="1" dirty="0" smtClean="0">
@@ -6871,19 +6953,13 @@
               <a:rPr lang="en-US" altLang="ko-KR" sz="3000" b="1" dirty="0" smtClean="0">
                 <a:latin typeface="+mn-lt"/>
               </a:rPr>
-              <a:t>- </a:t>
-            </a:r>
-            <a:r>
-              <a:rPr lang="en-US" altLang="ko-KR" sz="3000" b="1" dirty="0" smtClean="0">
-                <a:latin typeface="+mn-lt"/>
-              </a:rPr>
-              <a:t>Customer(</a:t>
+              <a:t>- Book(</a:t>
             </a:r>
             <a:r>
               <a:rPr lang="ko-KR" altLang="en-US" sz="3000" b="1" dirty="0" smtClean="0">
                 <a:latin typeface="+mn-lt"/>
               </a:rPr>
-              <a:t>고객</a:t>
+              <a:t>도서</a:t>
             </a:r>
             <a:r>
               <a:rPr lang="en-US" altLang="ko-KR" sz="3000" b="1" dirty="0" smtClean="0">
@@ -6939,7 +7015,19 @@
           <a:lstStyle/>
           <a:p>
             <a:pPr algn="ctr"/>
-            <a:endParaRPr lang="ko-KR" altLang="en-US"/>
+            <a:r>
+              <a:rPr lang="ko-KR" altLang="en-US" sz="1500" b="1" dirty="0" smtClean="0">
+                <a:solidFill>
+                  <a:schemeClr val="tx1"/>
+                </a:solidFill>
+              </a:rPr>
+              <a:t>도서목록</a:t>
+            </a:r>
+            <a:endParaRPr lang="ko-KR" altLang="en-US" sz="1500" b="1" dirty="0">
+              <a:solidFill>
+                <a:schemeClr val="tx1"/>
+              </a:solidFill>
+            </a:endParaRPr>
           </a:p>
         </p:txBody>
       </p:sp>
@@ -6984,14 +7072,40 @@
             </a:lvl1pPr>
           </a:lstStyle>
           <a:p>
-            <a:r>
-              <a:rPr lang="ko-KR" altLang="en-US" sz="2000" b="1" dirty="0" err="1" smtClean="0"/>
-              <a:t>고객목록</a:t>
-            </a:r>
             <a:endParaRPr lang="ko-KR" altLang="en-US" sz="2000" b="1" dirty="0"/>
           </a:p>
         </p:txBody>
       </p:sp>
+      <p:pic>
+        <p:nvPicPr>
+          <p:cNvPr id="3" name="그림 2"/>
+          <p:cNvPicPr>
+            <a:picLocks noChangeAspect="1"/>
+          </p:cNvPicPr>
+          <p:nvPr/>
+        </p:nvPicPr>
+        <p:blipFill>
+          <a:blip r:embed="rId2">
+            <a:extLst>
+              <a:ext uri="{28A0092B-C50C-407E-A947-70E740481C1C}">
+                <a14:useLocalDpi xmlns:a14="http://schemas.microsoft.com/office/drawing/2010/main" val="0"/>
+              </a:ext>
+            </a:extLst>
+          </a:blip>
+          <a:stretch>
+            <a:fillRect/>
+          </a:stretch>
+        </p:blipFill>
+        <p:spPr>
+          <a:xfrm>
+            <a:off x="976107" y="1845451"/>
+            <a:ext cx="2620627" cy="1246314"/>
+          </a:xfrm>
+          <a:prstGeom prst="rect">
+            <a:avLst/>
+          </a:prstGeom>
+        </p:spPr>
+      </p:pic>
       <p:sp>
         <p:nvSpPr>
           <p:cNvPr id="18" name="직사각형 17"/>
@@ -7034,7 +7148,19 @@
           <a:lstStyle/>
           <a:p>
             <a:pPr algn="ctr"/>
-            <a:endParaRPr lang="ko-KR" altLang="en-US"/>
+            <a:r>
+              <a:rPr lang="ko-KR" altLang="en-US" sz="1500" b="1" dirty="0" err="1" smtClean="0">
+                <a:solidFill>
+                  <a:schemeClr val="tx1"/>
+                </a:solidFill>
+              </a:rPr>
+              <a:t>도서등록</a:t>
+            </a:r>
+            <a:endParaRPr lang="ko-KR" altLang="en-US" sz="1500" b="1" dirty="0">
+              <a:solidFill>
+                <a:schemeClr val="tx1"/>
+              </a:solidFill>
+            </a:endParaRPr>
           </a:p>
         </p:txBody>
       </p:sp>
@@ -7079,14 +7205,70 @@
             </a:lvl1pPr>
           </a:lstStyle>
           <a:p>
-            <a:r>
-              <a:rPr lang="ko-KR" altLang="en-US" sz="2000" b="1" dirty="0" err="1" smtClean="0"/>
-              <a:t>고객등록</a:t>
-            </a:r>
             <a:endParaRPr lang="ko-KR" altLang="en-US" sz="2000" b="1" dirty="0"/>
           </a:p>
         </p:txBody>
       </p:sp>
+      <p:pic>
+        <p:nvPicPr>
+          <p:cNvPr id="4" name="그림 3"/>
+          <p:cNvPicPr>
+            <a:picLocks noChangeAspect="1"/>
+          </p:cNvPicPr>
+          <p:nvPr/>
+        </p:nvPicPr>
+        <p:blipFill>
+          <a:blip r:embed="rId3">
+            <a:extLst>
+              <a:ext uri="{28A0092B-C50C-407E-A947-70E740481C1C}">
+                <a14:useLocalDpi xmlns:a14="http://schemas.microsoft.com/office/drawing/2010/main" val="0"/>
+              </a:ext>
+            </a:extLst>
+          </a:blip>
+          <a:stretch>
+            <a:fillRect/>
+          </a:stretch>
+        </p:blipFill>
+        <p:spPr>
+          <a:xfrm>
+            <a:off x="4335331" y="1845450"/>
+            <a:ext cx="2123697" cy="1731013"/>
+          </a:xfrm>
+          <a:prstGeom prst="rect">
+            <a:avLst/>
+          </a:prstGeom>
+        </p:spPr>
+      </p:pic>
+      <p:pic>
+        <p:nvPicPr>
+          <p:cNvPr id="6" name="그림 5"/>
+          <p:cNvPicPr>
+            <a:picLocks noChangeAspect="1"/>
+          </p:cNvPicPr>
+          <p:nvPr/>
+        </p:nvPicPr>
+        <p:blipFill>
+          <a:blip r:embed="rId4">
+            <a:extLst>
+              <a:ext uri="{28A0092B-C50C-407E-A947-70E740481C1C}">
+                <a14:useLocalDpi xmlns:a14="http://schemas.microsoft.com/office/drawing/2010/main" val="0"/>
+              </a:ext>
+            </a:extLst>
+          </a:blip>
+          <a:stretch>
+            <a:fillRect/>
+          </a:stretch>
+        </p:blipFill>
+        <p:spPr>
+          <a:xfrm>
+            <a:off x="7175833" y="1845450"/>
+            <a:ext cx="4096322" cy="1362265"/>
+          </a:xfrm>
+          <a:prstGeom prst="rect">
+            <a:avLst/>
+          </a:prstGeom>
+        </p:spPr>
+      </p:pic>
       <p:sp>
         <p:nvSpPr>
           <p:cNvPr id="25" name="직사각형 24"/>
@@ -7129,7 +7311,27 @@
           <a:lstStyle/>
           <a:p>
             <a:pPr algn="ctr"/>
-            <a:endParaRPr lang="ko-KR" altLang="en-US"/>
+            <a:r>
+              <a:rPr lang="ko-KR" altLang="en-US" sz="1500" b="1" dirty="0" err="1" smtClean="0">
+                <a:solidFill>
+                  <a:schemeClr val="tx1"/>
+                </a:solidFill>
+              </a:rPr>
+              <a:t>도서등록</a:t>
+            </a:r>
+            <a:r>
+              <a:rPr lang="ko-KR" altLang="en-US" sz="1500" b="1" dirty="0" smtClean="0">
+                <a:solidFill>
+                  <a:schemeClr val="tx1"/>
+                </a:solidFill>
+              </a:rPr>
+              <a:t> 확인</a:t>
+            </a:r>
+            <a:endParaRPr lang="ko-KR" altLang="en-US" sz="1500" b="1" dirty="0">
+              <a:solidFill>
+                <a:schemeClr val="tx1"/>
+              </a:solidFill>
+            </a:endParaRPr>
           </a:p>
         </p:txBody>
       </p:sp>
@@ -7174,22 +7376,40 @@
             </a:lvl1pPr>
           </a:lstStyle>
           <a:p>
-            <a:r>
-              <a:rPr lang="ko-KR" altLang="en-US" sz="2000" b="1" dirty="0" err="1" smtClean="0"/>
-              <a:t>고객등록</a:t>
-            </a:r>
-            <a:r>
-              <a:rPr lang="ko-KR" altLang="en-US" sz="2000" b="1" dirty="0" smtClean="0"/>
-              <a:t> </a:t>
-            </a:r>
-            <a:r>
-              <a:rPr lang="ko-KR" altLang="en-US" sz="2000" b="1" dirty="0" smtClean="0"/>
-              <a:t>확인</a:t>
-            </a:r>
             <a:endParaRPr lang="ko-KR" altLang="en-US" sz="2000" b="1" dirty="0"/>
           </a:p>
         </p:txBody>
       </p:sp>
+      <p:pic>
+        <p:nvPicPr>
+          <p:cNvPr id="8" name="그림 7"/>
+          <p:cNvPicPr>
+            <a:picLocks noChangeAspect="1"/>
+          </p:cNvPicPr>
+          <p:nvPr/>
+        </p:nvPicPr>
+        <p:blipFill>
+          <a:blip r:embed="rId5">
+            <a:extLst>
+              <a:ext uri="{28A0092B-C50C-407E-A947-70E740481C1C}">
+                <a14:useLocalDpi xmlns:a14="http://schemas.microsoft.com/office/drawing/2010/main" val="0"/>
+              </a:ext>
+            </a:extLst>
+          </a:blip>
+          <a:stretch>
+            <a:fillRect/>
+          </a:stretch>
+        </p:blipFill>
+        <p:spPr>
+          <a:xfrm>
+            <a:off x="976105" y="4511799"/>
+            <a:ext cx="2495898" cy="260190"/>
+          </a:xfrm>
+          <a:prstGeom prst="rect">
+            <a:avLst/>
+          </a:prstGeom>
+        </p:spPr>
+      </p:pic>
       <p:sp>
         <p:nvSpPr>
           <p:cNvPr id="27" name="직사각형 26"/>
@@ -7232,7 +7452,19 @@
           <a:lstStyle/>
           <a:p>
             <a:pPr algn="ctr"/>
-            <a:endParaRPr lang="ko-KR" altLang="en-US"/>
+            <a:r>
+              <a:rPr lang="ko-KR" altLang="en-US" sz="1500" b="1" dirty="0" err="1" smtClean="0">
+                <a:solidFill>
+                  <a:schemeClr val="tx1"/>
+                </a:solidFill>
+              </a:rPr>
+              <a:t>도서수정</a:t>
+            </a:r>
+            <a:endParaRPr lang="ko-KR" altLang="en-US" sz="1500" b="1" dirty="0">
+              <a:solidFill>
+                <a:schemeClr val="tx1"/>
+              </a:solidFill>
+            </a:endParaRPr>
           </a:p>
         </p:txBody>
       </p:sp>
@@ -7277,14 +7509,70 @@
             </a:lvl1pPr>
           </a:lstStyle>
           <a:p>
-            <a:r>
-              <a:rPr lang="ko-KR" altLang="en-US" sz="2000" b="1" dirty="0" err="1" smtClean="0"/>
-              <a:t>고객수정</a:t>
-            </a:r>
             <a:endParaRPr lang="ko-KR" altLang="en-US" sz="2000" b="1" dirty="0"/>
           </a:p>
         </p:txBody>
       </p:sp>
+      <p:pic>
+        <p:nvPicPr>
+          <p:cNvPr id="9" name="그림 8"/>
+          <p:cNvPicPr>
+            <a:picLocks noChangeAspect="1"/>
+          </p:cNvPicPr>
+          <p:nvPr/>
+        </p:nvPicPr>
+        <p:blipFill>
+          <a:blip r:embed="rId6">
+            <a:extLst>
+              <a:ext uri="{28A0092B-C50C-407E-A947-70E740481C1C}">
+                <a14:useLocalDpi xmlns:a14="http://schemas.microsoft.com/office/drawing/2010/main" val="0"/>
+              </a:ext>
+            </a:extLst>
+          </a:blip>
+          <a:stretch>
+            <a:fillRect/>
+          </a:stretch>
+        </p:blipFill>
+        <p:spPr>
+          <a:xfrm>
+            <a:off x="976103" y="4771989"/>
+            <a:ext cx="2495899" cy="1439941"/>
+          </a:xfrm>
+          <a:prstGeom prst="rect">
+            <a:avLst/>
+          </a:prstGeom>
+        </p:spPr>
+      </p:pic>
+      <p:pic>
+        <p:nvPicPr>
+          <p:cNvPr id="11" name="그림 10"/>
+          <p:cNvPicPr>
+            <a:picLocks noChangeAspect="1"/>
+          </p:cNvPicPr>
+          <p:nvPr/>
+        </p:nvPicPr>
+        <p:blipFill>
+          <a:blip r:embed="rId7">
+            <a:extLst>
+              <a:ext uri="{28A0092B-C50C-407E-A947-70E740481C1C}">
+                <a14:useLocalDpi xmlns:a14="http://schemas.microsoft.com/office/drawing/2010/main" val="0"/>
+              </a:ext>
+            </a:extLst>
+          </a:blip>
+          <a:stretch>
+            <a:fillRect/>
+          </a:stretch>
+        </p:blipFill>
+        <p:spPr>
+          <a:xfrm>
+            <a:off x="4210599" y="4511799"/>
+            <a:ext cx="4601217" cy="1362265"/>
+          </a:xfrm>
+          <a:prstGeom prst="rect">
+            <a:avLst/>
+          </a:prstGeom>
+        </p:spPr>
+      </p:pic>
       <p:sp>
         <p:nvSpPr>
           <p:cNvPr id="29" name="직사각형 28"/>
@@ -7327,7 +7615,27 @@
           <a:lstStyle/>
           <a:p>
             <a:pPr algn="ctr"/>
-            <a:endParaRPr lang="ko-KR" altLang="en-US"/>
+            <a:r>
+              <a:rPr lang="ko-KR" altLang="en-US" sz="1500" b="1" dirty="0" err="1" smtClean="0">
+                <a:solidFill>
+                  <a:schemeClr val="tx1"/>
+                </a:solidFill>
+              </a:rPr>
+              <a:t>도서수정</a:t>
+            </a:r>
+            <a:r>
+              <a:rPr lang="ko-KR" altLang="en-US" sz="1500" b="1" dirty="0" smtClean="0">
+                <a:solidFill>
+                  <a:schemeClr val="tx1"/>
+                </a:solidFill>
+              </a:rPr>
+              <a:t> 확인</a:t>
+            </a:r>
+            <a:endParaRPr lang="ko-KR" altLang="en-US" sz="1500" b="1" dirty="0">
+              <a:solidFill>
+                <a:schemeClr val="tx1"/>
+              </a:solidFill>
+            </a:endParaRPr>
           </a:p>
         </p:txBody>
       </p:sp>
@@ -7372,18 +7680,6 @@
             </a:lvl1pPr>
           </a:lstStyle>
           <a:p>
-            <a:r>
-              <a:rPr lang="ko-KR" altLang="en-US" sz="2000" b="1" dirty="0" err="1" smtClean="0"/>
-              <a:t>고객수정</a:t>
-            </a:r>
-            <a:r>
-              <a:rPr lang="ko-KR" altLang="en-US" sz="2000" b="1" dirty="0" smtClean="0"/>
-              <a:t> </a:t>
-            </a:r>
-            <a:r>
-              <a:rPr lang="ko-KR" altLang="en-US" sz="2000" b="1" dirty="0" smtClean="0"/>
-              <a:t>확인</a:t>
-            </a:r>
             <a:endParaRPr lang="ko-KR" altLang="en-US" sz="2000" b="1" dirty="0"/>
           </a:p>
         </p:txBody>
@@ -7391,7 +7687,820 @@
     </p:spTree>
     <p:extLst>
       <p:ext uri="{BB962C8B-B14F-4D97-AF65-F5344CB8AC3E}">
-        <p14:creationId xmlns:p14="http://schemas.microsoft.com/office/powerpoint/2010/main" val="294258000"/>
+        <p14:creationId xmlns:p14="http://schemas.microsoft.com/office/powerpoint/2010/main" val="1152766233"/>
+      </p:ext>
+    </p:extLst>
+  </p:cSld>
+  <p:clrMapOvr>
+    <a:masterClrMapping/>
+  </p:clrMapOvr>
+</p:sld>
+</file>
+
+<file path=ppt/slides/slide9.xml><?xml version="1.0" encoding="utf-8"?>
+<p:sld xmlns:a="http://schemas.openxmlformats.org/drawingml/2006/main" xmlns:r="http://schemas.openxmlformats.org/officeDocument/2006/relationships" xmlns:p="http://schemas.openxmlformats.org/presentationml/2006/main">
+  <p:cSld>
+    <p:spTree>
+      <p:nvGrpSpPr>
+        <p:cNvPr id="1" name=""/>
+        <p:cNvGrpSpPr/>
+        <p:nvPr/>
+      </p:nvGrpSpPr>
+      <p:grpSpPr>
+        <a:xfrm>
+          <a:off x="0" y="0"/>
+          <a:ext cx="0" cy="0"/>
+          <a:chOff x="0" y="0"/>
+          <a:chExt cx="0" cy="0"/>
+        </a:xfrm>
+      </p:grpSpPr>
+      <p:sp>
+        <p:nvSpPr>
+          <p:cNvPr id="10" name="직사각형 9"/>
+          <p:cNvSpPr/>
+          <p:nvPr/>
+        </p:nvSpPr>
+        <p:spPr>
+          <a:xfrm>
+            <a:off x="237506" y="201881"/>
+            <a:ext cx="11709071" cy="6436425"/>
+          </a:xfrm>
+          <a:prstGeom prst="rect">
+            <a:avLst/>
+          </a:prstGeom>
+          <a:ln>
+            <a:noFill/>
+          </a:ln>
+        </p:spPr>
+        <p:style>
+          <a:lnRef idx="2">
+            <a:schemeClr val="accent1">
+              <a:shade val="50000"/>
+            </a:schemeClr>
+          </a:lnRef>
+          <a:fillRef idx="1">
+            <a:schemeClr val="accent1"/>
+          </a:fillRef>
+          <a:effectRef idx="0">
+            <a:schemeClr val="accent1"/>
+          </a:effectRef>
+          <a:fontRef idx="minor">
+            <a:schemeClr val="lt1"/>
+          </a:fontRef>
+        </p:style>
+        <p:txBody>
+          <a:bodyPr rtlCol="0" anchor="ctr"/>
+          <a:lstStyle/>
+          <a:p>
+            <a:pPr algn="ctr"/>
+            <a:endParaRPr lang="ko-KR" altLang="en-US"/>
+          </a:p>
+        </p:txBody>
+      </p:sp>
+      <p:sp>
+        <p:nvSpPr>
+          <p:cNvPr id="2" name="제목 1"/>
+          <p:cNvSpPr>
+            <a:spLocks noGrp="1"/>
+          </p:cNvSpPr>
+          <p:nvPr>
+            <p:ph type="ctrTitle"/>
+          </p:nvPr>
+        </p:nvSpPr>
+        <p:spPr>
+          <a:xfrm>
+            <a:off x="635326" y="493953"/>
+            <a:ext cx="5302336" cy="553003"/>
+          </a:xfrm>
+        </p:spPr>
+        <p:txBody>
+          <a:bodyPr>
+            <a:noAutofit/>
+          </a:bodyPr>
+          <a:lstStyle/>
+          <a:p>
+            <a:pPr algn="l"/>
+            <a:r>
+              <a:rPr lang="en-US" altLang="ko-KR" sz="3000" b="1" dirty="0" smtClean="0">
+                <a:latin typeface="+mn-lt"/>
+              </a:rPr>
+              <a:t>4-2. </a:t>
+            </a:r>
+            <a:r>
+              <a:rPr lang="ko-KR" altLang="en-US" sz="3000" b="1" dirty="0" smtClean="0">
+                <a:latin typeface="+mn-lt"/>
+              </a:rPr>
+              <a:t>실행 </a:t>
+            </a:r>
+            <a:r>
+              <a:rPr lang="en-US" altLang="ko-KR" sz="3000" b="1" dirty="0" smtClean="0">
+                <a:latin typeface="+mn-lt"/>
+              </a:rPr>
+              <a:t>- Customer(</a:t>
+            </a:r>
+            <a:r>
+              <a:rPr lang="ko-KR" altLang="en-US" sz="3000" b="1" dirty="0" smtClean="0">
+                <a:latin typeface="+mn-lt"/>
+              </a:rPr>
+              <a:t>고객</a:t>
+            </a:r>
+            <a:r>
+              <a:rPr lang="en-US" altLang="ko-KR" sz="3000" b="1" dirty="0" smtClean="0">
+                <a:latin typeface="+mn-lt"/>
+              </a:rPr>
+              <a:t>)</a:t>
+            </a:r>
+            <a:endParaRPr lang="ko-KR" altLang="en-US" sz="3000" b="1" dirty="0">
+              <a:latin typeface="+mn-lt"/>
+            </a:endParaRPr>
+          </a:p>
+        </p:txBody>
+      </p:sp>
+      <p:sp>
+        <p:nvSpPr>
+          <p:cNvPr id="15" name="직사각형 14"/>
+          <p:cNvSpPr/>
+          <p:nvPr/>
+        </p:nvSpPr>
+        <p:spPr>
+          <a:xfrm>
+            <a:off x="1174125" y="1413163"/>
+            <a:ext cx="2620628" cy="432287"/>
+          </a:xfrm>
+          <a:prstGeom prst="rect">
+            <a:avLst/>
+          </a:prstGeom>
+          <a:solidFill>
+            <a:schemeClr val="accent1">
+              <a:lumMod val="60000"/>
+              <a:lumOff val="40000"/>
+            </a:schemeClr>
+          </a:solidFill>
+        </p:spPr>
+        <p:style>
+          <a:lnRef idx="2">
+            <a:schemeClr val="accent1">
+              <a:shade val="50000"/>
+            </a:schemeClr>
+          </a:lnRef>
+          <a:fillRef idx="1">
+            <a:schemeClr val="accent1"/>
+          </a:fillRef>
+          <a:effectRef idx="0">
+            <a:schemeClr val="accent1"/>
+          </a:effectRef>
+          <a:fontRef idx="minor">
+            <a:schemeClr val="lt1"/>
+          </a:fontRef>
+        </p:style>
+        <p:txBody>
+          <a:bodyPr rtlCol="0" anchor="ctr"/>
+          <a:lstStyle/>
+          <a:p>
+            <a:pPr algn="ctr"/>
+            <a:r>
+              <a:rPr lang="ko-KR" altLang="en-US" sz="1500" b="1" dirty="0" err="1" smtClean="0">
+                <a:solidFill>
+                  <a:schemeClr val="tx1"/>
+                </a:solidFill>
+              </a:rPr>
+              <a:t>고객목록</a:t>
+            </a:r>
+            <a:endParaRPr lang="ko-KR" altLang="en-US" sz="1500" b="1" dirty="0">
+              <a:solidFill>
+                <a:schemeClr val="tx1"/>
+              </a:solidFill>
+            </a:endParaRPr>
+          </a:p>
+        </p:txBody>
+      </p:sp>
+      <p:sp>
+        <p:nvSpPr>
+          <p:cNvPr id="16" name="제목 1"/>
+          <p:cNvSpPr txBox="1">
+            <a:spLocks/>
+          </p:cNvSpPr>
+          <p:nvPr/>
+        </p:nvSpPr>
+        <p:spPr>
+          <a:xfrm>
+            <a:off x="976105" y="1413163"/>
+            <a:ext cx="2620629" cy="432287"/>
+          </a:xfrm>
+          <a:prstGeom prst="rect">
+            <a:avLst/>
+          </a:prstGeom>
+        </p:spPr>
+        <p:txBody>
+          <a:bodyPr vert="horz" lIns="91440" tIns="45720" rIns="91440" bIns="45720" rtlCol="0" anchor="b">
+            <a:noAutofit/>
+          </a:bodyPr>
+          <a:lstStyle>
+            <a:lvl1pPr algn="ctr" defTabSz="914400" rtl="0" eaLnBrk="1" latinLnBrk="1" hangingPunct="1">
+              <a:lnSpc>
+                <a:spcPct val="90000"/>
+              </a:lnSpc>
+              <a:spcBef>
+                <a:spcPct val="0"/>
+              </a:spcBef>
+              <a:buNone/>
+              <a:defRPr sz="6000" kern="1200">
+                <a:solidFill>
+                  <a:schemeClr val="tx1"/>
+                </a:solidFill>
+                <a:latin typeface="+mj-lt"/>
+                <a:ea typeface="+mj-ea"/>
+                <a:cs typeface="+mj-cs"/>
+              </a:defRPr>
+            </a:lvl1pPr>
+          </a:lstStyle>
+          <a:p>
+            <a:endParaRPr lang="ko-KR" altLang="en-US" sz="2000" b="1" dirty="0"/>
+          </a:p>
+        </p:txBody>
+      </p:sp>
+      <p:sp>
+        <p:nvSpPr>
+          <p:cNvPr id="18" name="직사각형 17"/>
+          <p:cNvSpPr/>
+          <p:nvPr/>
+        </p:nvSpPr>
+        <p:spPr>
+          <a:xfrm>
+            <a:off x="4713906" y="1413163"/>
+            <a:ext cx="2123696" cy="432287"/>
+          </a:xfrm>
+          <a:prstGeom prst="rect">
+            <a:avLst/>
+          </a:prstGeom>
+          <a:solidFill>
+            <a:schemeClr val="accent1">
+              <a:lumMod val="60000"/>
+              <a:lumOff val="40000"/>
+            </a:schemeClr>
+          </a:solidFill>
+        </p:spPr>
+        <p:style>
+          <a:lnRef idx="2">
+            <a:schemeClr val="accent1">
+              <a:shade val="50000"/>
+            </a:schemeClr>
+          </a:lnRef>
+          <a:fillRef idx="1">
+            <a:schemeClr val="accent1"/>
+          </a:fillRef>
+          <a:effectRef idx="0">
+            <a:schemeClr val="accent1"/>
+          </a:effectRef>
+          <a:fontRef idx="minor">
+            <a:schemeClr val="lt1"/>
+          </a:fontRef>
+        </p:style>
+        <p:txBody>
+          <a:bodyPr rtlCol="0" anchor="ctr"/>
+          <a:lstStyle/>
+          <a:p>
+            <a:pPr algn="ctr"/>
+            <a:r>
+              <a:rPr lang="ko-KR" altLang="en-US" sz="1500" b="1" dirty="0" err="1" smtClean="0">
+                <a:solidFill>
+                  <a:schemeClr val="tx1"/>
+                </a:solidFill>
+              </a:rPr>
+              <a:t>고객등록</a:t>
+            </a:r>
+            <a:endParaRPr lang="ko-KR" altLang="en-US" sz="1500" b="1" dirty="0">
+              <a:solidFill>
+                <a:schemeClr val="tx1"/>
+              </a:solidFill>
+            </a:endParaRPr>
+          </a:p>
+        </p:txBody>
+      </p:sp>
+      <p:sp>
+        <p:nvSpPr>
+          <p:cNvPr id="23" name="제목 1"/>
+          <p:cNvSpPr txBox="1">
+            <a:spLocks/>
+          </p:cNvSpPr>
+          <p:nvPr/>
+        </p:nvSpPr>
+        <p:spPr>
+          <a:xfrm>
+            <a:off x="4335331" y="1413163"/>
+            <a:ext cx="2123697" cy="432287"/>
+          </a:xfrm>
+          <a:prstGeom prst="rect">
+            <a:avLst/>
+          </a:prstGeom>
+        </p:spPr>
+        <p:txBody>
+          <a:bodyPr vert="horz" lIns="91440" tIns="45720" rIns="91440" bIns="45720" rtlCol="0" anchor="b">
+            <a:noAutofit/>
+          </a:bodyPr>
+          <a:lstStyle>
+            <a:lvl1pPr algn="ctr" defTabSz="914400" rtl="0" eaLnBrk="1" latinLnBrk="1" hangingPunct="1">
+              <a:lnSpc>
+                <a:spcPct val="90000"/>
+              </a:lnSpc>
+              <a:spcBef>
+                <a:spcPct val="0"/>
+              </a:spcBef>
+              <a:buNone/>
+              <a:defRPr sz="6000" kern="1200">
+                <a:solidFill>
+                  <a:schemeClr val="tx1"/>
+                </a:solidFill>
+                <a:latin typeface="+mj-lt"/>
+                <a:ea typeface="+mj-ea"/>
+                <a:cs typeface="+mj-cs"/>
+              </a:defRPr>
+            </a:lvl1pPr>
+          </a:lstStyle>
+          <a:p>
+            <a:endParaRPr lang="ko-KR" altLang="en-US" sz="2000" b="1" dirty="0"/>
+          </a:p>
+        </p:txBody>
+      </p:sp>
+      <p:sp>
+        <p:nvSpPr>
+          <p:cNvPr id="25" name="직사각형 24"/>
+          <p:cNvSpPr/>
+          <p:nvPr/>
+        </p:nvSpPr>
+        <p:spPr>
+          <a:xfrm>
+            <a:off x="7694182" y="1413163"/>
+            <a:ext cx="3004877" cy="432287"/>
+          </a:xfrm>
+          <a:prstGeom prst="rect">
+            <a:avLst/>
+          </a:prstGeom>
+          <a:solidFill>
+            <a:schemeClr val="accent1">
+              <a:lumMod val="60000"/>
+              <a:lumOff val="40000"/>
+            </a:schemeClr>
+          </a:solidFill>
+        </p:spPr>
+        <p:style>
+          <a:lnRef idx="2">
+            <a:schemeClr val="accent1">
+              <a:shade val="50000"/>
+            </a:schemeClr>
+          </a:lnRef>
+          <a:fillRef idx="1">
+            <a:schemeClr val="accent1"/>
+          </a:fillRef>
+          <a:effectRef idx="0">
+            <a:schemeClr val="accent1"/>
+          </a:effectRef>
+          <a:fontRef idx="minor">
+            <a:schemeClr val="lt1"/>
+          </a:fontRef>
+        </p:style>
+        <p:txBody>
+          <a:bodyPr rtlCol="0" anchor="ctr"/>
+          <a:lstStyle/>
+          <a:p>
+            <a:pPr algn="ctr"/>
+            <a:r>
+              <a:rPr lang="ko-KR" altLang="en-US" sz="1500" b="1" dirty="0" err="1" smtClean="0">
+                <a:solidFill>
+                  <a:schemeClr val="tx1"/>
+                </a:solidFill>
+              </a:rPr>
+              <a:t>고객등록</a:t>
+            </a:r>
+            <a:r>
+              <a:rPr lang="ko-KR" altLang="en-US" sz="1500" b="1" dirty="0" smtClean="0">
+                <a:solidFill>
+                  <a:schemeClr val="tx1"/>
+                </a:solidFill>
+              </a:rPr>
+              <a:t> 확인</a:t>
+            </a:r>
+            <a:endParaRPr lang="ko-KR" altLang="en-US" sz="1500" b="1" dirty="0">
+              <a:solidFill>
+                <a:schemeClr val="tx1"/>
+              </a:solidFill>
+            </a:endParaRPr>
+          </a:p>
+        </p:txBody>
+      </p:sp>
+      <p:sp>
+        <p:nvSpPr>
+          <p:cNvPr id="26" name="제목 1"/>
+          <p:cNvSpPr txBox="1">
+            <a:spLocks/>
+          </p:cNvSpPr>
+          <p:nvPr/>
+        </p:nvSpPr>
+        <p:spPr>
+          <a:xfrm>
+            <a:off x="7175830" y="1413163"/>
+            <a:ext cx="4096325" cy="432287"/>
+          </a:xfrm>
+          <a:prstGeom prst="rect">
+            <a:avLst/>
+          </a:prstGeom>
+        </p:spPr>
+        <p:txBody>
+          <a:bodyPr vert="horz" lIns="91440" tIns="45720" rIns="91440" bIns="45720" rtlCol="0" anchor="b">
+            <a:noAutofit/>
+          </a:bodyPr>
+          <a:lstStyle>
+            <a:lvl1pPr algn="ctr" defTabSz="914400" rtl="0" eaLnBrk="1" latinLnBrk="1" hangingPunct="1">
+              <a:lnSpc>
+                <a:spcPct val="90000"/>
+              </a:lnSpc>
+              <a:spcBef>
+                <a:spcPct val="0"/>
+              </a:spcBef>
+              <a:buNone/>
+              <a:defRPr sz="6000" kern="1200">
+                <a:solidFill>
+                  <a:schemeClr val="tx1"/>
+                </a:solidFill>
+                <a:latin typeface="+mj-lt"/>
+                <a:ea typeface="+mj-ea"/>
+                <a:cs typeface="+mj-cs"/>
+              </a:defRPr>
+            </a:lvl1pPr>
+          </a:lstStyle>
+          <a:p>
+            <a:endParaRPr lang="ko-KR" altLang="en-US" sz="2000" b="1" dirty="0"/>
+          </a:p>
+        </p:txBody>
+      </p:sp>
+      <p:sp>
+        <p:nvSpPr>
+          <p:cNvPr id="27" name="직사각형 26"/>
+          <p:cNvSpPr/>
+          <p:nvPr/>
+        </p:nvSpPr>
+        <p:spPr>
+          <a:xfrm>
+            <a:off x="2548639" y="4079512"/>
+            <a:ext cx="2151492" cy="432287"/>
+          </a:xfrm>
+          <a:prstGeom prst="rect">
+            <a:avLst/>
+          </a:prstGeom>
+          <a:solidFill>
+            <a:schemeClr val="accent1">
+              <a:lumMod val="60000"/>
+              <a:lumOff val="40000"/>
+            </a:schemeClr>
+          </a:solidFill>
+        </p:spPr>
+        <p:style>
+          <a:lnRef idx="2">
+            <a:schemeClr val="accent1">
+              <a:shade val="50000"/>
+            </a:schemeClr>
+          </a:lnRef>
+          <a:fillRef idx="1">
+            <a:schemeClr val="accent1"/>
+          </a:fillRef>
+          <a:effectRef idx="0">
+            <a:schemeClr val="accent1"/>
+          </a:effectRef>
+          <a:fontRef idx="minor">
+            <a:schemeClr val="lt1"/>
+          </a:fontRef>
+        </p:style>
+        <p:txBody>
+          <a:bodyPr rtlCol="0" anchor="ctr"/>
+          <a:lstStyle/>
+          <a:p>
+            <a:pPr algn="ctr"/>
+            <a:r>
+              <a:rPr lang="ko-KR" altLang="en-US" sz="1500" b="1" dirty="0" err="1" smtClean="0">
+                <a:solidFill>
+                  <a:schemeClr val="tx1"/>
+                </a:solidFill>
+              </a:rPr>
+              <a:t>고객수정</a:t>
+            </a:r>
+            <a:endParaRPr lang="ko-KR" altLang="en-US" sz="1500" b="1" dirty="0">
+              <a:solidFill>
+                <a:schemeClr val="tx1"/>
+              </a:solidFill>
+            </a:endParaRPr>
+          </a:p>
+        </p:txBody>
+      </p:sp>
+      <p:sp>
+        <p:nvSpPr>
+          <p:cNvPr id="28" name="제목 1"/>
+          <p:cNvSpPr txBox="1">
+            <a:spLocks/>
+          </p:cNvSpPr>
+          <p:nvPr/>
+        </p:nvSpPr>
+        <p:spPr>
+          <a:xfrm>
+            <a:off x="976104" y="4079512"/>
+            <a:ext cx="2495900" cy="432287"/>
+          </a:xfrm>
+          <a:prstGeom prst="rect">
+            <a:avLst/>
+          </a:prstGeom>
+        </p:spPr>
+        <p:txBody>
+          <a:bodyPr vert="horz" lIns="91440" tIns="45720" rIns="91440" bIns="45720" rtlCol="0" anchor="b">
+            <a:noAutofit/>
+          </a:bodyPr>
+          <a:lstStyle>
+            <a:lvl1pPr algn="ctr" defTabSz="914400" rtl="0" eaLnBrk="1" latinLnBrk="1" hangingPunct="1">
+              <a:lnSpc>
+                <a:spcPct val="90000"/>
+              </a:lnSpc>
+              <a:spcBef>
+                <a:spcPct val="0"/>
+              </a:spcBef>
+              <a:buNone/>
+              <a:defRPr sz="6000" kern="1200">
+                <a:solidFill>
+                  <a:schemeClr val="tx1"/>
+                </a:solidFill>
+                <a:latin typeface="+mj-lt"/>
+                <a:ea typeface="+mj-ea"/>
+                <a:cs typeface="+mj-cs"/>
+              </a:defRPr>
+            </a:lvl1pPr>
+          </a:lstStyle>
+          <a:p>
+            <a:endParaRPr lang="ko-KR" altLang="en-US" sz="2000" b="1" dirty="0"/>
+          </a:p>
+        </p:txBody>
+      </p:sp>
+      <p:sp>
+        <p:nvSpPr>
+          <p:cNvPr id="29" name="직사각형 28"/>
+          <p:cNvSpPr/>
+          <p:nvPr/>
+        </p:nvSpPr>
+        <p:spPr>
+          <a:xfrm>
+            <a:off x="5783131" y="4079512"/>
+            <a:ext cx="3007457" cy="432287"/>
+          </a:xfrm>
+          <a:prstGeom prst="rect">
+            <a:avLst/>
+          </a:prstGeom>
+          <a:solidFill>
+            <a:schemeClr val="accent1">
+              <a:lumMod val="60000"/>
+              <a:lumOff val="40000"/>
+            </a:schemeClr>
+          </a:solidFill>
+        </p:spPr>
+        <p:style>
+          <a:lnRef idx="2">
+            <a:schemeClr val="accent1">
+              <a:shade val="50000"/>
+            </a:schemeClr>
+          </a:lnRef>
+          <a:fillRef idx="1">
+            <a:schemeClr val="accent1"/>
+          </a:fillRef>
+          <a:effectRef idx="0">
+            <a:schemeClr val="accent1"/>
+          </a:effectRef>
+          <a:fontRef idx="minor">
+            <a:schemeClr val="lt1"/>
+          </a:fontRef>
+        </p:style>
+        <p:txBody>
+          <a:bodyPr rtlCol="0" anchor="ctr"/>
+          <a:lstStyle/>
+          <a:p>
+            <a:pPr algn="ctr"/>
+            <a:r>
+              <a:rPr lang="ko-KR" altLang="en-US" sz="1500" b="1" dirty="0" err="1" smtClean="0">
+                <a:solidFill>
+                  <a:schemeClr val="tx1"/>
+                </a:solidFill>
+              </a:rPr>
+              <a:t>고객수정</a:t>
+            </a:r>
+            <a:r>
+              <a:rPr lang="ko-KR" altLang="en-US" sz="1500" b="1" dirty="0" smtClean="0">
+                <a:solidFill>
+                  <a:schemeClr val="tx1"/>
+                </a:solidFill>
+              </a:rPr>
+              <a:t> 확인</a:t>
+            </a:r>
+            <a:endParaRPr lang="ko-KR" altLang="en-US" sz="1500" b="1" dirty="0">
+              <a:solidFill>
+                <a:schemeClr val="tx1"/>
+              </a:solidFill>
+            </a:endParaRPr>
+          </a:p>
+        </p:txBody>
+      </p:sp>
+      <p:sp>
+        <p:nvSpPr>
+          <p:cNvPr id="30" name="제목 1"/>
+          <p:cNvSpPr txBox="1">
+            <a:spLocks/>
+          </p:cNvSpPr>
+          <p:nvPr/>
+        </p:nvSpPr>
+        <p:spPr>
+          <a:xfrm>
+            <a:off x="4210596" y="4079512"/>
+            <a:ext cx="4601219" cy="432287"/>
+          </a:xfrm>
+          <a:prstGeom prst="rect">
+            <a:avLst/>
+          </a:prstGeom>
+        </p:spPr>
+        <p:txBody>
+          <a:bodyPr vert="horz" lIns="91440" tIns="45720" rIns="91440" bIns="45720" rtlCol="0" anchor="b">
+            <a:noAutofit/>
+          </a:bodyPr>
+          <a:lstStyle>
+            <a:lvl1pPr algn="ctr" defTabSz="914400" rtl="0" eaLnBrk="1" latinLnBrk="1" hangingPunct="1">
+              <a:lnSpc>
+                <a:spcPct val="90000"/>
+              </a:lnSpc>
+              <a:spcBef>
+                <a:spcPct val="0"/>
+              </a:spcBef>
+              <a:buNone/>
+              <a:defRPr sz="6000" kern="1200">
+                <a:solidFill>
+                  <a:schemeClr val="tx1"/>
+                </a:solidFill>
+                <a:latin typeface="+mj-lt"/>
+                <a:ea typeface="+mj-ea"/>
+                <a:cs typeface="+mj-cs"/>
+              </a:defRPr>
+            </a:lvl1pPr>
+          </a:lstStyle>
+          <a:p>
+            <a:endParaRPr lang="ko-KR" altLang="en-US" sz="2000" b="1" dirty="0"/>
+          </a:p>
+        </p:txBody>
+      </p:sp>
+      <p:pic>
+        <p:nvPicPr>
+          <p:cNvPr id="5" name="그림 4"/>
+          <p:cNvPicPr>
+            <a:picLocks noChangeAspect="1"/>
+          </p:cNvPicPr>
+          <p:nvPr/>
+        </p:nvPicPr>
+        <p:blipFill>
+          <a:blip r:embed="rId2">
+            <a:extLst>
+              <a:ext uri="{28A0092B-C50C-407E-A947-70E740481C1C}">
+                <a14:useLocalDpi xmlns:a14="http://schemas.microsoft.com/office/drawing/2010/main" val="0"/>
+              </a:ext>
+            </a:extLst>
+          </a:blip>
+          <a:stretch>
+            <a:fillRect/>
+          </a:stretch>
+        </p:blipFill>
+        <p:spPr>
+          <a:xfrm>
+            <a:off x="1174121" y="1845450"/>
+            <a:ext cx="2620631" cy="1371328"/>
+          </a:xfrm>
+          <a:prstGeom prst="rect">
+            <a:avLst/>
+          </a:prstGeom>
+        </p:spPr>
+      </p:pic>
+      <p:pic>
+        <p:nvPicPr>
+          <p:cNvPr id="12" name="그림 11"/>
+          <p:cNvPicPr>
+            <a:picLocks noChangeAspect="1"/>
+          </p:cNvPicPr>
+          <p:nvPr/>
+        </p:nvPicPr>
+        <p:blipFill>
+          <a:blip r:embed="rId3">
+            <a:extLst>
+              <a:ext uri="{28A0092B-C50C-407E-A947-70E740481C1C}">
+                <a14:useLocalDpi xmlns:a14="http://schemas.microsoft.com/office/drawing/2010/main" val="0"/>
+              </a:ext>
+            </a:extLst>
+          </a:blip>
+          <a:stretch>
+            <a:fillRect/>
+          </a:stretch>
+        </p:blipFill>
+        <p:spPr>
+          <a:xfrm>
+            <a:off x="4713904" y="1845450"/>
+            <a:ext cx="2123697" cy="1744177"/>
+          </a:xfrm>
+          <a:prstGeom prst="rect">
+            <a:avLst/>
+          </a:prstGeom>
+        </p:spPr>
+      </p:pic>
+      <p:pic>
+        <p:nvPicPr>
+          <p:cNvPr id="13" name="그림 12"/>
+          <p:cNvPicPr>
+            <a:picLocks noChangeAspect="1"/>
+          </p:cNvPicPr>
+          <p:nvPr/>
+        </p:nvPicPr>
+        <p:blipFill>
+          <a:blip r:embed="rId4">
+            <a:extLst>
+              <a:ext uri="{28A0092B-C50C-407E-A947-70E740481C1C}">
+                <a14:useLocalDpi xmlns:a14="http://schemas.microsoft.com/office/drawing/2010/main" val="0"/>
+              </a:ext>
+            </a:extLst>
+          </a:blip>
+          <a:stretch>
+            <a:fillRect/>
+          </a:stretch>
+        </p:blipFill>
+        <p:spPr>
+          <a:xfrm>
+            <a:off x="7694181" y="1845450"/>
+            <a:ext cx="3004878" cy="1753403"/>
+          </a:xfrm>
+          <a:prstGeom prst="rect">
+            <a:avLst/>
+          </a:prstGeom>
+        </p:spPr>
+      </p:pic>
+      <p:pic>
+        <p:nvPicPr>
+          <p:cNvPr id="14" name="그림 13"/>
+          <p:cNvPicPr>
+            <a:picLocks noChangeAspect="1"/>
+          </p:cNvPicPr>
+          <p:nvPr/>
+        </p:nvPicPr>
+        <p:blipFill>
+          <a:blip r:embed="rId5">
+            <a:extLst>
+              <a:ext uri="{28A0092B-C50C-407E-A947-70E740481C1C}">
+                <a14:useLocalDpi xmlns:a14="http://schemas.microsoft.com/office/drawing/2010/main" val="0"/>
+              </a:ext>
+            </a:extLst>
+          </a:blip>
+          <a:stretch>
+            <a:fillRect/>
+          </a:stretch>
+        </p:blipFill>
+        <p:spPr>
+          <a:xfrm>
+            <a:off x="2548636" y="4511799"/>
+            <a:ext cx="2151494" cy="1765539"/>
+          </a:xfrm>
+          <a:prstGeom prst="rect">
+            <a:avLst/>
+          </a:prstGeom>
+        </p:spPr>
+      </p:pic>
+      <p:pic>
+        <p:nvPicPr>
+          <p:cNvPr id="17" name="그림 16"/>
+          <p:cNvPicPr>
+            <a:picLocks noChangeAspect="1"/>
+          </p:cNvPicPr>
+          <p:nvPr/>
+        </p:nvPicPr>
+        <p:blipFill>
+          <a:blip r:embed="rId6">
+            <a:extLst>
+              <a:ext uri="{28A0092B-C50C-407E-A947-70E740481C1C}">
+                <a14:useLocalDpi xmlns:a14="http://schemas.microsoft.com/office/drawing/2010/main" val="0"/>
+              </a:ext>
+            </a:extLst>
+          </a:blip>
+          <a:stretch>
+            <a:fillRect/>
+          </a:stretch>
+        </p:blipFill>
+        <p:spPr>
+          <a:xfrm>
+            <a:off x="5783130" y="4511799"/>
+            <a:ext cx="3007458" cy="1765539"/>
+          </a:xfrm>
+          <a:prstGeom prst="rect">
+            <a:avLst/>
+          </a:prstGeom>
+        </p:spPr>
+      </p:pic>
+    </p:spTree>
+    <p:extLst>
+      <p:ext uri="{BB962C8B-B14F-4D97-AF65-F5344CB8AC3E}">
+        <p14:creationId xmlns:p14="http://schemas.microsoft.com/office/powerpoint/2010/main" val="3760992308"/>
       </p:ext>
     </p:extLst>
   </p:cSld>
@@ -7652,7 +8761,33 @@
       </a:bgFillStyleLst>
     </a:fmtScheme>
   </a:themeElements>
-  <a:objectDefaults/>
+  <a:objectDefaults>
+    <a:spDef>
+      <a:spPr/>
+      <a:bodyPr rtlCol="0" anchor="ctr"/>
+      <a:lstStyle>
+        <a:defPPr algn="ctr">
+          <a:defRPr/>
+        </a:defPPr>
+      </a:lstStyle>
+      <a:style>
+        <a:lnRef idx="2">
+          <a:schemeClr val="accent1">
+            <a:shade val="50000"/>
+          </a:schemeClr>
+        </a:lnRef>
+        <a:fillRef idx="1">
+          <a:schemeClr val="accent1"/>
+        </a:fillRef>
+        <a:effectRef idx="0">
+          <a:schemeClr val="accent1"/>
+        </a:effectRef>
+        <a:fontRef idx="minor">
+          <a:schemeClr val="lt1"/>
+        </a:fontRef>
+      </a:style>
+    </a:spDef>
+  </a:objectDefaults>
   <a:extraClrSchemeLst/>
   <a:extLst>
     <a:ext uri="{05A4C25C-085E-4340-85A3-A5531E510DB2}">
